--- a/doc/Détection d'intrusion.pptx
+++ b/doc/Détection d'intrusion.pptx
@@ -108,6 +108,11 @@
       </a:defRPr>
     </a:lvl9pPr>
   </p:defaultTextStyle>
+  <p:extLst>
+    <p:ext uri="{EFAFB233-063F-42B5-8137-9DF3F51BA10A}">
+      <p15:sldGuideLst xmlns:p15="http://schemas.microsoft.com/office/powerpoint/2012/main"/>
+    </p:ext>
+  </p:extLst>
 </p:presentation>
 </file>
 
@@ -161,7 +166,7 @@
           <a:noFill/>
           <a:extLst>
             <a:ext uri="{909E8E84-426E-40dd-AFC4-6F175D3DCCD1}">
-              <a14:hiddenFill xmlns:a14="http://schemas.microsoft.com/office/drawing/2010/main" xmlns="">
+              <a14:hiddenFill xmlns="" xmlns:a14="http://schemas.microsoft.com/office/drawing/2010/main">
                 <a:solidFill>
                   <a:srgbClr val="FFFFFF"/>
                 </a:solidFill>
@@ -221,7 +226,7 @@
             </a:ln>
             <a:extLst>
               <a:ext uri="{91240B29-F687-4f45-9708-019B960494DF}">
-                <a14:hiddenLine xmlns:a14="http://schemas.microsoft.com/office/drawing/2010/main" xmlns="" w="9525">
+                <a14:hiddenLine xmlns="" xmlns:a14="http://schemas.microsoft.com/office/drawing/2010/main" w="9525">
                   <a:solidFill>
                     <a:srgbClr val="000000"/>
                   </a:solidFill>
@@ -311,7 +316,7 @@
             </a:ln>
             <a:extLst>
               <a:ext uri="{91240B29-F687-4f45-9708-019B960494DF}">
-                <a14:hiddenLine xmlns:a14="http://schemas.microsoft.com/office/drawing/2010/main" xmlns="" w="9525">
+                <a14:hiddenLine xmlns="" xmlns:a14="http://schemas.microsoft.com/office/drawing/2010/main" w="9525">
                   <a:solidFill>
                     <a:srgbClr val="000000"/>
                   </a:solidFill>
@@ -401,7 +406,7 @@
             </a:ln>
             <a:extLst>
               <a:ext uri="{91240B29-F687-4f45-9708-019B960494DF}">
-                <a14:hiddenLine xmlns:a14="http://schemas.microsoft.com/office/drawing/2010/main" xmlns="" w="9525">
+                <a14:hiddenLine xmlns="" xmlns:a14="http://schemas.microsoft.com/office/drawing/2010/main" w="9525">
                   <a:solidFill>
                     <a:srgbClr val="000000"/>
                   </a:solidFill>
@@ -435,7 +440,7 @@
             </a:ln>
             <a:extLst>
               <a:ext uri="{91240B29-F687-4f45-9708-019B960494DF}">
-                <a14:hiddenLine xmlns:a14="http://schemas.microsoft.com/office/drawing/2010/main" xmlns="" w="9525">
+                <a14:hiddenLine xmlns="" xmlns:a14="http://schemas.microsoft.com/office/drawing/2010/main" w="9525">
                   <a:solidFill>
                     <a:srgbClr val="000000"/>
                   </a:solidFill>
@@ -525,7 +530,7 @@
             </a:ln>
             <a:extLst>
               <a:ext uri="{91240B29-F687-4f45-9708-019B960494DF}">
-                <a14:hiddenLine xmlns:a14="http://schemas.microsoft.com/office/drawing/2010/main" xmlns="" w="9525">
+                <a14:hiddenLine xmlns="" xmlns:a14="http://schemas.microsoft.com/office/drawing/2010/main" w="9525">
                   <a:solidFill>
                     <a:srgbClr val="000000"/>
                   </a:solidFill>
@@ -587,7 +592,7 @@
             </a:ln>
             <a:extLst>
               <a:ext uri="{91240B29-F687-4f45-9708-019B960494DF}">
-                <a14:hiddenLine xmlns:a14="http://schemas.microsoft.com/office/drawing/2010/main" xmlns="" w="9525">
+                <a14:hiddenLine xmlns="" xmlns:a14="http://schemas.microsoft.com/office/drawing/2010/main" w="9525">
                   <a:solidFill>
                     <a:srgbClr val="000000"/>
                   </a:solidFill>
@@ -649,7 +654,7 @@
             </a:ln>
             <a:extLst>
               <a:ext uri="{91240B29-F687-4f45-9708-019B960494DF}">
-                <a14:hiddenLine xmlns:a14="http://schemas.microsoft.com/office/drawing/2010/main" xmlns="" w="9525">
+                <a14:hiddenLine xmlns="" xmlns:a14="http://schemas.microsoft.com/office/drawing/2010/main" w="9525">
                   <a:solidFill>
                     <a:srgbClr val="000000"/>
                   </a:solidFill>
@@ -739,7 +744,7 @@
             </a:ln>
             <a:extLst>
               <a:ext uri="{91240B29-F687-4f45-9708-019B960494DF}">
-                <a14:hiddenLine xmlns:a14="http://schemas.microsoft.com/office/drawing/2010/main" xmlns="" w="9525">
+                <a14:hiddenLine xmlns="" xmlns:a14="http://schemas.microsoft.com/office/drawing/2010/main" w="9525">
                   <a:solidFill>
                     <a:srgbClr val="000000"/>
                   </a:solidFill>
@@ -801,7 +806,7 @@
             </a:ln>
             <a:extLst>
               <a:ext uri="{91240B29-F687-4f45-9708-019B960494DF}">
-                <a14:hiddenLine xmlns:a14="http://schemas.microsoft.com/office/drawing/2010/main" xmlns="" w="9525">
+                <a14:hiddenLine xmlns="" xmlns:a14="http://schemas.microsoft.com/office/drawing/2010/main" w="9525">
                   <a:solidFill>
                     <a:srgbClr val="000000"/>
                   </a:solidFill>
@@ -863,7 +868,7 @@
             </a:ln>
             <a:extLst>
               <a:ext uri="{91240B29-F687-4f45-9708-019B960494DF}">
-                <a14:hiddenLine xmlns:a14="http://schemas.microsoft.com/office/drawing/2010/main" xmlns="" w="9525">
+                <a14:hiddenLine xmlns="" xmlns:a14="http://schemas.microsoft.com/office/drawing/2010/main" w="9525">
                   <a:solidFill>
                     <a:srgbClr val="000000"/>
                   </a:solidFill>
@@ -953,7 +958,7 @@
             </a:ln>
             <a:extLst>
               <a:ext uri="{91240B29-F687-4f45-9708-019B960494DF}">
-                <a14:hiddenLine xmlns:a14="http://schemas.microsoft.com/office/drawing/2010/main" xmlns="" w="9525">
+                <a14:hiddenLine xmlns="" xmlns:a14="http://schemas.microsoft.com/office/drawing/2010/main" w="9525">
                   <a:solidFill>
                     <a:srgbClr val="000000"/>
                   </a:solidFill>
@@ -1043,7 +1048,7 @@
             </a:ln>
             <a:extLst>
               <a:ext uri="{91240B29-F687-4f45-9708-019B960494DF}">
-                <a14:hiddenLine xmlns:a14="http://schemas.microsoft.com/office/drawing/2010/main" xmlns="" w="9525">
+                <a14:hiddenLine xmlns="" xmlns:a14="http://schemas.microsoft.com/office/drawing/2010/main" w="9525">
                   <a:solidFill>
                     <a:srgbClr val="000000"/>
                   </a:solidFill>
@@ -1105,7 +1110,7 @@
             </a:ln>
             <a:extLst>
               <a:ext uri="{91240B29-F687-4f45-9708-019B960494DF}">
-                <a14:hiddenLine xmlns:a14="http://schemas.microsoft.com/office/drawing/2010/main" xmlns="" w="9525">
+                <a14:hiddenLine xmlns="" xmlns:a14="http://schemas.microsoft.com/office/drawing/2010/main" w="9525">
                   <a:solidFill>
                     <a:srgbClr val="000000"/>
                   </a:solidFill>
@@ -1215,7 +1220,7 @@
             </a:ln>
             <a:extLst>
               <a:ext uri="{91240B29-F687-4f45-9708-019B960494DF}">
-                <a14:hiddenLine xmlns:a14="http://schemas.microsoft.com/office/drawing/2010/main" xmlns="" w="9525">
+                <a14:hiddenLine xmlns="" xmlns:a14="http://schemas.microsoft.com/office/drawing/2010/main" w="9525">
                   <a:solidFill>
                     <a:srgbClr val="000000"/>
                   </a:solidFill>
@@ -1277,7 +1282,7 @@
             </a:ln>
             <a:extLst>
               <a:ext uri="{91240B29-F687-4f45-9708-019B960494DF}">
-                <a14:hiddenLine xmlns:a14="http://schemas.microsoft.com/office/drawing/2010/main" xmlns="" w="9525">
+                <a14:hiddenLine xmlns="" xmlns:a14="http://schemas.microsoft.com/office/drawing/2010/main" w="9525">
                   <a:solidFill>
                     <a:srgbClr val="000000"/>
                   </a:solidFill>
@@ -1367,7 +1372,7 @@
             </a:ln>
             <a:extLst>
               <a:ext uri="{91240B29-F687-4f45-9708-019B960494DF}">
-                <a14:hiddenLine xmlns:a14="http://schemas.microsoft.com/office/drawing/2010/main" xmlns="" w="9525">
+                <a14:hiddenLine xmlns="" xmlns:a14="http://schemas.microsoft.com/office/drawing/2010/main" w="9525">
                   <a:solidFill>
                     <a:srgbClr val="000000"/>
                   </a:solidFill>
@@ -1457,7 +1462,7 @@
             </a:ln>
             <a:extLst>
               <a:ext uri="{91240B29-F687-4f45-9708-019B960494DF}">
-                <a14:hiddenLine xmlns:a14="http://schemas.microsoft.com/office/drawing/2010/main" xmlns="" w="9525">
+                <a14:hiddenLine xmlns="" xmlns:a14="http://schemas.microsoft.com/office/drawing/2010/main" w="9525">
                   <a:solidFill>
                     <a:srgbClr val="000000"/>
                   </a:solidFill>
@@ -1519,7 +1524,7 @@
             </a:ln>
             <a:extLst>
               <a:ext uri="{91240B29-F687-4f45-9708-019B960494DF}">
-                <a14:hiddenLine xmlns:a14="http://schemas.microsoft.com/office/drawing/2010/main" xmlns="" w="9525">
+                <a14:hiddenLine xmlns="" xmlns:a14="http://schemas.microsoft.com/office/drawing/2010/main" w="9525">
                   <a:solidFill>
                     <a:srgbClr val="000000"/>
                   </a:solidFill>
@@ -1609,7 +1614,7 @@
             </a:ln>
             <a:extLst>
               <a:ext uri="{91240B29-F687-4f45-9708-019B960494DF}">
-                <a14:hiddenLine xmlns:a14="http://schemas.microsoft.com/office/drawing/2010/main" xmlns="" w="9525">
+                <a14:hiddenLine xmlns="" xmlns:a14="http://schemas.microsoft.com/office/drawing/2010/main" w="9525">
                   <a:solidFill>
                     <a:srgbClr val="000000"/>
                   </a:solidFill>
@@ -1699,7 +1704,7 @@
             </a:ln>
             <a:extLst>
               <a:ext uri="{91240B29-F687-4f45-9708-019B960494DF}">
-                <a14:hiddenLine xmlns:a14="http://schemas.microsoft.com/office/drawing/2010/main" xmlns="" w="9525">
+                <a14:hiddenLine xmlns="" xmlns:a14="http://schemas.microsoft.com/office/drawing/2010/main" w="9525">
                   <a:solidFill>
                     <a:srgbClr val="000000"/>
                   </a:solidFill>
@@ -1755,7 +1760,7 @@
             </a:ln>
             <a:extLst>
               <a:ext uri="{91240B29-F687-4f45-9708-019B960494DF}">
-                <a14:hiddenLine xmlns:a14="http://schemas.microsoft.com/office/drawing/2010/main" xmlns="" w="9525">
+                <a14:hiddenLine xmlns="" xmlns:a14="http://schemas.microsoft.com/office/drawing/2010/main" w="9525">
                   <a:solidFill>
                     <a:srgbClr val="000000"/>
                   </a:solidFill>
@@ -1845,7 +1850,7 @@
             </a:ln>
             <a:extLst>
               <a:ext uri="{91240B29-F687-4f45-9708-019B960494DF}">
-                <a14:hiddenLine xmlns:a14="http://schemas.microsoft.com/office/drawing/2010/main" xmlns="" w="9525">
+                <a14:hiddenLine xmlns="" xmlns:a14="http://schemas.microsoft.com/office/drawing/2010/main" w="9525">
                   <a:solidFill>
                     <a:srgbClr val="000000"/>
                   </a:solidFill>
@@ -1901,7 +1906,7 @@
             </a:ln>
             <a:extLst>
               <a:ext uri="{91240B29-F687-4f45-9708-019B960494DF}">
-                <a14:hiddenLine xmlns:a14="http://schemas.microsoft.com/office/drawing/2010/main" xmlns="" w="9525">
+                <a14:hiddenLine xmlns="" xmlns:a14="http://schemas.microsoft.com/office/drawing/2010/main" w="9525">
                   <a:solidFill>
                     <a:srgbClr val="000000"/>
                   </a:solidFill>
@@ -1991,7 +1996,7 @@
             </a:ln>
             <a:extLst>
               <a:ext uri="{91240B29-F687-4f45-9708-019B960494DF}">
-                <a14:hiddenLine xmlns:a14="http://schemas.microsoft.com/office/drawing/2010/main" xmlns="" w="9525">
+                <a14:hiddenLine xmlns="" xmlns:a14="http://schemas.microsoft.com/office/drawing/2010/main" w="9525">
                   <a:solidFill>
                     <a:srgbClr val="000000"/>
                   </a:solidFill>
@@ -2059,7 +2064,7 @@
             </a:ln>
             <a:extLst>
               <a:ext uri="{91240B29-F687-4f45-9708-019B960494DF}">
-                <a14:hiddenLine xmlns:a14="http://schemas.microsoft.com/office/drawing/2010/main" xmlns="" w="9525">
+                <a14:hiddenLine xmlns="" xmlns:a14="http://schemas.microsoft.com/office/drawing/2010/main" w="9525">
                   <a:solidFill>
                     <a:srgbClr val="000000"/>
                   </a:solidFill>
@@ -2149,7 +2154,7 @@
             </a:ln>
             <a:extLst>
               <a:ext uri="{91240B29-F687-4f45-9708-019B960494DF}">
-                <a14:hiddenLine xmlns:a14="http://schemas.microsoft.com/office/drawing/2010/main" xmlns="" w="9525">
+                <a14:hiddenLine xmlns="" xmlns:a14="http://schemas.microsoft.com/office/drawing/2010/main" w="9525">
                   <a:solidFill>
                     <a:srgbClr val="000000"/>
                   </a:solidFill>
@@ -2217,7 +2222,7 @@
             </a:ln>
             <a:extLst>
               <a:ext uri="{91240B29-F687-4f45-9708-019B960494DF}">
-                <a14:hiddenLine xmlns:a14="http://schemas.microsoft.com/office/drawing/2010/main" xmlns="" w="9525">
+                <a14:hiddenLine xmlns="" xmlns:a14="http://schemas.microsoft.com/office/drawing/2010/main" w="9525">
                   <a:solidFill>
                     <a:srgbClr val="000000"/>
                   </a:solidFill>
@@ -2307,7 +2312,7 @@
             </a:ln>
             <a:extLst>
               <a:ext uri="{91240B29-F687-4f45-9708-019B960494DF}">
-                <a14:hiddenLine xmlns:a14="http://schemas.microsoft.com/office/drawing/2010/main" xmlns="" w="9525">
+                <a14:hiddenLine xmlns="" xmlns:a14="http://schemas.microsoft.com/office/drawing/2010/main" w="9525">
                   <a:solidFill>
                     <a:srgbClr val="000000"/>
                   </a:solidFill>
@@ -2341,7 +2346,7 @@
             </a:ln>
             <a:extLst>
               <a:ext uri="{91240B29-F687-4f45-9708-019B960494DF}">
-                <a14:hiddenLine xmlns:a14="http://schemas.microsoft.com/office/drawing/2010/main" xmlns="" w="9525">
+                <a14:hiddenLine xmlns="" xmlns:a14="http://schemas.microsoft.com/office/drawing/2010/main" w="9525">
                   <a:solidFill>
                     <a:srgbClr val="000000"/>
                   </a:solidFill>
@@ -2431,7 +2436,7 @@
             </a:ln>
             <a:extLst>
               <a:ext uri="{91240B29-F687-4f45-9708-019B960494DF}">
-                <a14:hiddenLine xmlns:a14="http://schemas.microsoft.com/office/drawing/2010/main" xmlns="" w="9525">
+                <a14:hiddenLine xmlns="" xmlns:a14="http://schemas.microsoft.com/office/drawing/2010/main" w="9525">
                   <a:solidFill>
                     <a:srgbClr val="000000"/>
                   </a:solidFill>
@@ -2493,7 +2498,7 @@
             </a:ln>
             <a:extLst>
               <a:ext uri="{91240B29-F687-4f45-9708-019B960494DF}">
-                <a14:hiddenLine xmlns:a14="http://schemas.microsoft.com/office/drawing/2010/main" xmlns="" w="9525">
+                <a14:hiddenLine xmlns="" xmlns:a14="http://schemas.microsoft.com/office/drawing/2010/main" w="9525">
                   <a:solidFill>
                     <a:srgbClr val="000000"/>
                   </a:solidFill>
@@ -2555,7 +2560,7 @@
             </a:ln>
             <a:extLst>
               <a:ext uri="{91240B29-F687-4f45-9708-019B960494DF}">
-                <a14:hiddenLine xmlns:a14="http://schemas.microsoft.com/office/drawing/2010/main" xmlns="" w="9525">
+                <a14:hiddenLine xmlns="" xmlns:a14="http://schemas.microsoft.com/office/drawing/2010/main" w="9525">
                   <a:solidFill>
                     <a:srgbClr val="000000"/>
                   </a:solidFill>
@@ -2645,7 +2650,7 @@
             </a:ln>
             <a:extLst>
               <a:ext uri="{91240B29-F687-4f45-9708-019B960494DF}">
-                <a14:hiddenLine xmlns:a14="http://schemas.microsoft.com/office/drawing/2010/main" xmlns="" w="9525">
+                <a14:hiddenLine xmlns="" xmlns:a14="http://schemas.microsoft.com/office/drawing/2010/main" w="9525">
                   <a:solidFill>
                     <a:srgbClr val="000000"/>
                   </a:solidFill>
@@ -2713,7 +2718,7 @@
             </a:ln>
             <a:extLst>
               <a:ext uri="{91240B29-F687-4f45-9708-019B960494DF}">
-                <a14:hiddenLine xmlns:a14="http://schemas.microsoft.com/office/drawing/2010/main" xmlns="" w="9525">
+                <a14:hiddenLine xmlns="" xmlns:a14="http://schemas.microsoft.com/office/drawing/2010/main" w="9525">
                   <a:solidFill>
                     <a:srgbClr val="000000"/>
                   </a:solidFill>
@@ -2775,7 +2780,7 @@
             </a:ln>
             <a:extLst>
               <a:ext uri="{91240B29-F687-4f45-9708-019B960494DF}">
-                <a14:hiddenLine xmlns:a14="http://schemas.microsoft.com/office/drawing/2010/main" xmlns="" w="9525">
+                <a14:hiddenLine xmlns="" xmlns:a14="http://schemas.microsoft.com/office/drawing/2010/main" w="9525">
                   <a:solidFill>
                     <a:srgbClr val="000000"/>
                   </a:solidFill>
@@ -2865,7 +2870,7 @@
             </a:ln>
             <a:extLst>
               <a:ext uri="{91240B29-F687-4f45-9708-019B960494DF}">
-                <a14:hiddenLine xmlns:a14="http://schemas.microsoft.com/office/drawing/2010/main" xmlns="" w="9525">
+                <a14:hiddenLine xmlns="" xmlns:a14="http://schemas.microsoft.com/office/drawing/2010/main" w="9525">
                   <a:solidFill>
                     <a:srgbClr val="000000"/>
                   </a:solidFill>
@@ -2927,7 +2932,7 @@
             </a:ln>
             <a:extLst>
               <a:ext uri="{91240B29-F687-4f45-9708-019B960494DF}">
-                <a14:hiddenLine xmlns:a14="http://schemas.microsoft.com/office/drawing/2010/main" xmlns="" w="9525">
+                <a14:hiddenLine xmlns="" xmlns:a14="http://schemas.microsoft.com/office/drawing/2010/main" w="9525">
                   <a:solidFill>
                     <a:srgbClr val="000000"/>
                   </a:solidFill>
@@ -3017,7 +3022,7 @@
             </a:ln>
             <a:extLst>
               <a:ext uri="{91240B29-F687-4f45-9708-019B960494DF}">
-                <a14:hiddenLine xmlns:a14="http://schemas.microsoft.com/office/drawing/2010/main" xmlns="" w="9525">
+                <a14:hiddenLine xmlns="" xmlns:a14="http://schemas.microsoft.com/office/drawing/2010/main" w="9525">
                   <a:solidFill>
                     <a:srgbClr val="000000"/>
                   </a:solidFill>
@@ -3079,7 +3084,7 @@
             </a:ln>
             <a:extLst>
               <a:ext uri="{91240B29-F687-4f45-9708-019B960494DF}">
-                <a14:hiddenLine xmlns:a14="http://schemas.microsoft.com/office/drawing/2010/main" xmlns="" w="9525">
+                <a14:hiddenLine xmlns="" xmlns:a14="http://schemas.microsoft.com/office/drawing/2010/main" w="9525">
                   <a:solidFill>
                     <a:srgbClr val="000000"/>
                   </a:solidFill>
@@ -3169,7 +3174,7 @@
             </a:ln>
             <a:extLst>
               <a:ext uri="{91240B29-F687-4f45-9708-019B960494DF}">
-                <a14:hiddenLine xmlns:a14="http://schemas.microsoft.com/office/drawing/2010/main" xmlns="" w="9525">
+                <a14:hiddenLine xmlns="" xmlns:a14="http://schemas.microsoft.com/office/drawing/2010/main" w="9525">
                   <a:solidFill>
                     <a:srgbClr val="000000"/>
                   </a:solidFill>
@@ -3203,7 +3208,7 @@
             </a:ln>
             <a:extLst>
               <a:ext uri="{91240B29-F687-4f45-9708-019B960494DF}">
-                <a14:hiddenLine xmlns:a14="http://schemas.microsoft.com/office/drawing/2010/main" xmlns="" w="9525">
+                <a14:hiddenLine xmlns="" xmlns:a14="http://schemas.microsoft.com/office/drawing/2010/main" w="9525">
                   <a:solidFill>
                     <a:srgbClr val="000000"/>
                   </a:solidFill>
@@ -3268,7 +3273,7 @@
             </a:ln>
             <a:extLst>
               <a:ext uri="{91240B29-F687-4f45-9708-019B960494DF}">
-                <a14:hiddenLine xmlns:a14="http://schemas.microsoft.com/office/drawing/2010/main" xmlns="" w="9525">
+                <a14:hiddenLine xmlns="" xmlns:a14="http://schemas.microsoft.com/office/drawing/2010/main" w="9525">
                   <a:solidFill>
                     <a:srgbClr val="000000"/>
                   </a:solidFill>
@@ -3358,7 +3363,7 @@
             </a:ln>
             <a:extLst>
               <a:ext uri="{91240B29-F687-4f45-9708-019B960494DF}">
-                <a14:hiddenLine xmlns:a14="http://schemas.microsoft.com/office/drawing/2010/main" xmlns="" w="9525">
+                <a14:hiddenLine xmlns="" xmlns:a14="http://schemas.microsoft.com/office/drawing/2010/main" w="9525">
                   <a:solidFill>
                     <a:srgbClr val="000000"/>
                   </a:solidFill>
@@ -3420,7 +3425,7 @@
             </a:ln>
             <a:extLst>
               <a:ext uri="{91240B29-F687-4f45-9708-019B960494DF}">
-                <a14:hiddenLine xmlns:a14="http://schemas.microsoft.com/office/drawing/2010/main" xmlns="" w="9525">
+                <a14:hiddenLine xmlns="" xmlns:a14="http://schemas.microsoft.com/office/drawing/2010/main" w="9525">
                   <a:solidFill>
                     <a:srgbClr val="000000"/>
                   </a:solidFill>
@@ -3510,7 +3515,7 @@
             </a:ln>
             <a:extLst>
               <a:ext uri="{91240B29-F687-4f45-9708-019B960494DF}">
-                <a14:hiddenLine xmlns:a14="http://schemas.microsoft.com/office/drawing/2010/main" xmlns="" w="9525">
+                <a14:hiddenLine xmlns="" xmlns:a14="http://schemas.microsoft.com/office/drawing/2010/main" w="9525">
                   <a:solidFill>
                     <a:srgbClr val="000000"/>
                   </a:solidFill>
@@ -3600,7 +3605,7 @@
             </a:ln>
             <a:extLst>
               <a:ext uri="{91240B29-F687-4f45-9708-019B960494DF}">
-                <a14:hiddenLine xmlns:a14="http://schemas.microsoft.com/office/drawing/2010/main" xmlns="" w="9525">
+                <a14:hiddenLine xmlns="" xmlns:a14="http://schemas.microsoft.com/office/drawing/2010/main" w="9525">
                   <a:solidFill>
                     <a:srgbClr val="000000"/>
                   </a:solidFill>
@@ -3665,7 +3670,7 @@
             </a:ln>
             <a:extLst>
               <a:ext uri="{91240B29-F687-4f45-9708-019B960494DF}">
-                <a14:hiddenLine xmlns:a14="http://schemas.microsoft.com/office/drawing/2010/main" xmlns="" w="9525">
+                <a14:hiddenLine xmlns="" xmlns:a14="http://schemas.microsoft.com/office/drawing/2010/main" w="9525">
                   <a:solidFill>
                     <a:srgbClr val="000000"/>
                   </a:solidFill>
@@ -3727,7 +3732,7 @@
             </a:ln>
             <a:extLst>
               <a:ext uri="{91240B29-F687-4f45-9708-019B960494DF}">
-                <a14:hiddenLine xmlns:a14="http://schemas.microsoft.com/office/drawing/2010/main" xmlns="" w="9525">
+                <a14:hiddenLine xmlns="" xmlns:a14="http://schemas.microsoft.com/office/drawing/2010/main" w="9525">
                   <a:solidFill>
                     <a:srgbClr val="000000"/>
                   </a:solidFill>
@@ -3817,7 +3822,7 @@
             </a:ln>
             <a:extLst>
               <a:ext uri="{91240B29-F687-4f45-9708-019B960494DF}">
-                <a14:hiddenLine xmlns:a14="http://schemas.microsoft.com/office/drawing/2010/main" xmlns="" w="9525">
+                <a14:hiddenLine xmlns="" xmlns:a14="http://schemas.microsoft.com/office/drawing/2010/main" w="9525">
                   <a:solidFill>
                     <a:srgbClr val="000000"/>
                   </a:solidFill>
@@ -3907,7 +3912,7 @@
             </a:ln>
             <a:extLst>
               <a:ext uri="{91240B29-F687-4f45-9708-019B960494DF}">
-                <a14:hiddenLine xmlns:a14="http://schemas.microsoft.com/office/drawing/2010/main" xmlns="" w="9525">
+                <a14:hiddenLine xmlns="" xmlns:a14="http://schemas.microsoft.com/office/drawing/2010/main" w="9525">
                   <a:solidFill>
                     <a:srgbClr val="000000"/>
                   </a:solidFill>
@@ -3969,7 +3974,7 @@
             </a:ln>
             <a:extLst>
               <a:ext uri="{91240B29-F687-4f45-9708-019B960494DF}">
-                <a14:hiddenLine xmlns:a14="http://schemas.microsoft.com/office/drawing/2010/main" xmlns="" w="9525">
+                <a14:hiddenLine xmlns="" xmlns:a14="http://schemas.microsoft.com/office/drawing/2010/main" w="9525">
                   <a:solidFill>
                     <a:srgbClr val="000000"/>
                   </a:solidFill>
@@ -4089,7 +4094,7 @@
             </a:ln>
             <a:extLst>
               <a:ext uri="{91240B29-F687-4f45-9708-019B960494DF}">
-                <a14:hiddenLine xmlns:a14="http://schemas.microsoft.com/office/drawing/2010/main" xmlns="" w="9525">
+                <a14:hiddenLine xmlns="" xmlns:a14="http://schemas.microsoft.com/office/drawing/2010/main" w="9525">
                   <a:solidFill>
                     <a:srgbClr val="000000"/>
                   </a:solidFill>
@@ -4157,7 +4162,7 @@
             </a:ln>
             <a:extLst>
               <a:ext uri="{91240B29-F687-4f45-9708-019B960494DF}">
-                <a14:hiddenLine xmlns:a14="http://schemas.microsoft.com/office/drawing/2010/main" xmlns="" w="9525">
+                <a14:hiddenLine xmlns="" xmlns:a14="http://schemas.microsoft.com/office/drawing/2010/main" w="9525">
                   <a:solidFill>
                     <a:srgbClr val="000000"/>
                   </a:solidFill>
@@ -4247,7 +4252,7 @@
             </a:ln>
             <a:extLst>
               <a:ext uri="{91240B29-F687-4f45-9708-019B960494DF}">
-                <a14:hiddenLine xmlns:a14="http://schemas.microsoft.com/office/drawing/2010/main" xmlns="" w="9525">
+                <a14:hiddenLine xmlns="" xmlns:a14="http://schemas.microsoft.com/office/drawing/2010/main" w="9525">
                   <a:solidFill>
                     <a:srgbClr val="000000"/>
                   </a:solidFill>
@@ -9054,7 +9059,7 @@
           <a:noFill/>
           <a:extLst>
             <a:ext uri="{909E8E84-426E-40dd-AFC4-6F175D3DCCD1}">
-              <a14:hiddenFill xmlns:a14="http://schemas.microsoft.com/office/drawing/2010/main" xmlns="">
+              <a14:hiddenFill xmlns="" xmlns:a14="http://schemas.microsoft.com/office/drawing/2010/main">
                 <a:solidFill>
                   <a:srgbClr val="FFFFFF"/>
                 </a:solidFill>
@@ -9128,7 +9133,7 @@
               </a:ln>
               <a:extLst>
                 <a:ext uri="{91240B29-F687-4f45-9708-019B960494DF}">
-                  <a14:hiddenLine xmlns:a14="http://schemas.microsoft.com/office/drawing/2010/main" xmlns="" w="9525">
+                  <a14:hiddenLine xmlns="" xmlns:a14="http://schemas.microsoft.com/office/drawing/2010/main" w="9525">
                     <a:solidFill>
                       <a:srgbClr val="000000"/>
                     </a:solidFill>
@@ -9218,7 +9223,7 @@
               </a:ln>
               <a:extLst>
                 <a:ext uri="{91240B29-F687-4f45-9708-019B960494DF}">
-                  <a14:hiddenLine xmlns:a14="http://schemas.microsoft.com/office/drawing/2010/main" xmlns="" w="9525">
+                  <a14:hiddenLine xmlns="" xmlns:a14="http://schemas.microsoft.com/office/drawing/2010/main" w="9525">
                     <a:solidFill>
                       <a:srgbClr val="000000"/>
                     </a:solidFill>
@@ -9308,7 +9313,7 @@
               </a:ln>
               <a:extLst>
                 <a:ext uri="{91240B29-F687-4f45-9708-019B960494DF}">
-                  <a14:hiddenLine xmlns:a14="http://schemas.microsoft.com/office/drawing/2010/main" xmlns="" w="9525">
+                  <a14:hiddenLine xmlns="" xmlns:a14="http://schemas.microsoft.com/office/drawing/2010/main" w="9525">
                     <a:solidFill>
                       <a:srgbClr val="000000"/>
                     </a:solidFill>
@@ -9370,7 +9375,7 @@
               </a:ln>
               <a:extLst>
                 <a:ext uri="{91240B29-F687-4f45-9708-019B960494DF}">
-                  <a14:hiddenLine xmlns:a14="http://schemas.microsoft.com/office/drawing/2010/main" xmlns="" w="9525">
+                  <a14:hiddenLine xmlns="" xmlns:a14="http://schemas.microsoft.com/office/drawing/2010/main" w="9525">
                     <a:solidFill>
                       <a:srgbClr val="000000"/>
                     </a:solidFill>
@@ -9460,7 +9465,7 @@
               </a:ln>
               <a:extLst>
                 <a:ext uri="{91240B29-F687-4f45-9708-019B960494DF}">
-                  <a14:hiddenLine xmlns:a14="http://schemas.microsoft.com/office/drawing/2010/main" xmlns="" w="9525">
+                  <a14:hiddenLine xmlns="" xmlns:a14="http://schemas.microsoft.com/office/drawing/2010/main" w="9525">
                     <a:solidFill>
                       <a:srgbClr val="000000"/>
                     </a:solidFill>
@@ -9522,7 +9527,7 @@
               </a:ln>
               <a:extLst>
                 <a:ext uri="{91240B29-F687-4f45-9708-019B960494DF}">
-                  <a14:hiddenLine xmlns:a14="http://schemas.microsoft.com/office/drawing/2010/main" xmlns="" w="9525">
+                  <a14:hiddenLine xmlns="" xmlns:a14="http://schemas.microsoft.com/office/drawing/2010/main" w="9525">
                     <a:solidFill>
                       <a:srgbClr val="000000"/>
                     </a:solidFill>
@@ -9584,7 +9589,7 @@
               </a:ln>
               <a:extLst>
                 <a:ext uri="{91240B29-F687-4f45-9708-019B960494DF}">
-                  <a14:hiddenLine xmlns:a14="http://schemas.microsoft.com/office/drawing/2010/main" xmlns="" w="9525">
+                  <a14:hiddenLine xmlns="" xmlns:a14="http://schemas.microsoft.com/office/drawing/2010/main" w="9525">
                     <a:solidFill>
                       <a:srgbClr val="000000"/>
                     </a:solidFill>
@@ -9674,7 +9679,7 @@
               </a:ln>
               <a:extLst>
                 <a:ext uri="{91240B29-F687-4f45-9708-019B960494DF}">
-                  <a14:hiddenLine xmlns:a14="http://schemas.microsoft.com/office/drawing/2010/main" xmlns="" w="9525">
+                  <a14:hiddenLine xmlns="" xmlns:a14="http://schemas.microsoft.com/office/drawing/2010/main" w="9525">
                     <a:solidFill>
                       <a:srgbClr val="000000"/>
                     </a:solidFill>
@@ -9764,7 +9769,7 @@
               </a:ln>
               <a:extLst>
                 <a:ext uri="{91240B29-F687-4f45-9708-019B960494DF}">
-                  <a14:hiddenLine xmlns:a14="http://schemas.microsoft.com/office/drawing/2010/main" xmlns="" w="9525">
+                  <a14:hiddenLine xmlns="" xmlns:a14="http://schemas.microsoft.com/office/drawing/2010/main" w="9525">
                     <a:solidFill>
                       <a:srgbClr val="000000"/>
                     </a:solidFill>
@@ -9826,7 +9831,7 @@
               </a:ln>
               <a:extLst>
                 <a:ext uri="{91240B29-F687-4f45-9708-019B960494DF}">
-                  <a14:hiddenLine xmlns:a14="http://schemas.microsoft.com/office/drawing/2010/main" xmlns="" w="9525">
+                  <a14:hiddenLine xmlns="" xmlns:a14="http://schemas.microsoft.com/office/drawing/2010/main" w="9525">
                     <a:solidFill>
                       <a:srgbClr val="000000"/>
                     </a:solidFill>
@@ -9936,7 +9941,7 @@
               </a:ln>
               <a:extLst>
                 <a:ext uri="{91240B29-F687-4f45-9708-019B960494DF}">
-                  <a14:hiddenLine xmlns:a14="http://schemas.microsoft.com/office/drawing/2010/main" xmlns="" w="9525">
+                  <a14:hiddenLine xmlns="" xmlns:a14="http://schemas.microsoft.com/office/drawing/2010/main" w="9525">
                     <a:solidFill>
                       <a:srgbClr val="000000"/>
                     </a:solidFill>
@@ -10020,7 +10025,7 @@
               </a:ln>
               <a:extLst>
                 <a:ext uri="{91240B29-F687-4f45-9708-019B960494DF}">
-                  <a14:hiddenLine xmlns:a14="http://schemas.microsoft.com/office/drawing/2010/main" xmlns="" w="9525">
+                  <a14:hiddenLine xmlns="" xmlns:a14="http://schemas.microsoft.com/office/drawing/2010/main" w="9525">
                     <a:solidFill>
                       <a:srgbClr val="000000"/>
                     </a:solidFill>
@@ -10082,7 +10087,7 @@
               </a:ln>
               <a:extLst>
                 <a:ext uri="{91240B29-F687-4f45-9708-019B960494DF}">
-                  <a14:hiddenLine xmlns:a14="http://schemas.microsoft.com/office/drawing/2010/main" xmlns="" w="9525">
+                  <a14:hiddenLine xmlns="" xmlns:a14="http://schemas.microsoft.com/office/drawing/2010/main" w="9525">
                     <a:solidFill>
                       <a:srgbClr val="000000"/>
                     </a:solidFill>
@@ -10144,7 +10149,7 @@
               </a:ln>
               <a:extLst>
                 <a:ext uri="{91240B29-F687-4f45-9708-019B960494DF}">
-                  <a14:hiddenLine xmlns:a14="http://schemas.microsoft.com/office/drawing/2010/main" xmlns="" w="9525">
+                  <a14:hiddenLine xmlns="" xmlns:a14="http://schemas.microsoft.com/office/drawing/2010/main" w="9525">
                     <a:solidFill>
                       <a:srgbClr val="000000"/>
                     </a:solidFill>
@@ -10234,7 +10239,7 @@
               </a:ln>
               <a:extLst>
                 <a:ext uri="{91240B29-F687-4f45-9708-019B960494DF}">
-                  <a14:hiddenLine xmlns:a14="http://schemas.microsoft.com/office/drawing/2010/main" xmlns="" w="9525">
+                  <a14:hiddenLine xmlns="" xmlns:a14="http://schemas.microsoft.com/office/drawing/2010/main" w="9525">
                     <a:solidFill>
                       <a:srgbClr val="000000"/>
                     </a:solidFill>
@@ -10268,7 +10273,7 @@
               </a:ln>
               <a:extLst>
                 <a:ext uri="{91240B29-F687-4f45-9708-019B960494DF}">
-                  <a14:hiddenLine xmlns:a14="http://schemas.microsoft.com/office/drawing/2010/main" xmlns="" w="9525">
+                  <a14:hiddenLine xmlns="" xmlns:a14="http://schemas.microsoft.com/office/drawing/2010/main" w="9525">
                     <a:solidFill>
                       <a:srgbClr val="000000"/>
                     </a:solidFill>
@@ -10333,7 +10338,7 @@
               </a:ln>
               <a:extLst>
                 <a:ext uri="{91240B29-F687-4f45-9708-019B960494DF}">
-                  <a14:hiddenLine xmlns:a14="http://schemas.microsoft.com/office/drawing/2010/main" xmlns="" w="9525">
+                  <a14:hiddenLine xmlns="" xmlns:a14="http://schemas.microsoft.com/office/drawing/2010/main" w="9525">
                     <a:solidFill>
                       <a:srgbClr val="000000"/>
                     </a:solidFill>
@@ -10423,7 +10428,7 @@
               </a:ln>
               <a:extLst>
                 <a:ext uri="{91240B29-F687-4f45-9708-019B960494DF}">
-                  <a14:hiddenLine xmlns:a14="http://schemas.microsoft.com/office/drawing/2010/main" xmlns="" w="9525">
+                  <a14:hiddenLine xmlns="" xmlns:a14="http://schemas.microsoft.com/office/drawing/2010/main" w="9525">
                     <a:solidFill>
                       <a:srgbClr val="000000"/>
                     </a:solidFill>
@@ -10485,7 +10490,7 @@
               </a:ln>
               <a:extLst>
                 <a:ext uri="{91240B29-F687-4f45-9708-019B960494DF}">
-                  <a14:hiddenLine xmlns:a14="http://schemas.microsoft.com/office/drawing/2010/main" xmlns="" w="9525">
+                  <a14:hiddenLine xmlns="" xmlns:a14="http://schemas.microsoft.com/office/drawing/2010/main" w="9525">
                     <a:solidFill>
                       <a:srgbClr val="000000"/>
                     </a:solidFill>
@@ -10575,7 +10580,7 @@
               </a:ln>
               <a:extLst>
                 <a:ext uri="{91240B29-F687-4f45-9708-019B960494DF}">
-                  <a14:hiddenLine xmlns:a14="http://schemas.microsoft.com/office/drawing/2010/main" xmlns="" w="9525">
+                  <a14:hiddenLine xmlns="" xmlns:a14="http://schemas.microsoft.com/office/drawing/2010/main" w="9525">
                     <a:solidFill>
                       <a:srgbClr val="000000"/>
                     </a:solidFill>
@@ -10640,7 +10645,7 @@
               </a:ln>
               <a:extLst>
                 <a:ext uri="{91240B29-F687-4f45-9708-019B960494DF}">
-                  <a14:hiddenLine xmlns:a14="http://schemas.microsoft.com/office/drawing/2010/main" xmlns="" w="9525">
+                  <a14:hiddenLine xmlns="" xmlns:a14="http://schemas.microsoft.com/office/drawing/2010/main" w="9525">
                     <a:solidFill>
                       <a:srgbClr val="000000"/>
                     </a:solidFill>
@@ -10702,7 +10707,7 @@
               </a:ln>
               <a:extLst>
                 <a:ext uri="{91240B29-F687-4f45-9708-019B960494DF}">
-                  <a14:hiddenLine xmlns:a14="http://schemas.microsoft.com/office/drawing/2010/main" xmlns="" w="9525">
+                  <a14:hiddenLine xmlns="" xmlns:a14="http://schemas.microsoft.com/office/drawing/2010/main" w="9525">
                     <a:solidFill>
                       <a:srgbClr val="000000"/>
                     </a:solidFill>
@@ -10792,7 +10797,7 @@
               </a:ln>
               <a:extLst>
                 <a:ext uri="{91240B29-F687-4f45-9708-019B960494DF}">
-                  <a14:hiddenLine xmlns:a14="http://schemas.microsoft.com/office/drawing/2010/main" xmlns="" w="9525">
+                  <a14:hiddenLine xmlns="" xmlns:a14="http://schemas.microsoft.com/office/drawing/2010/main" w="9525">
                     <a:solidFill>
                       <a:srgbClr val="000000"/>
                     </a:solidFill>
@@ -10882,7 +10887,7 @@
               </a:ln>
               <a:extLst>
                 <a:ext uri="{91240B29-F687-4f45-9708-019B960494DF}">
-                  <a14:hiddenLine xmlns:a14="http://schemas.microsoft.com/office/drawing/2010/main" xmlns="" w="9525">
+                  <a14:hiddenLine xmlns="" xmlns:a14="http://schemas.microsoft.com/office/drawing/2010/main" w="9525">
                     <a:solidFill>
                       <a:srgbClr val="000000"/>
                     </a:solidFill>
@@ -10947,7 +10952,7 @@
               </a:ln>
               <a:extLst>
                 <a:ext uri="{91240B29-F687-4f45-9708-019B960494DF}">
-                  <a14:hiddenLine xmlns:a14="http://schemas.microsoft.com/office/drawing/2010/main" xmlns="" w="9525">
+                  <a14:hiddenLine xmlns="" xmlns:a14="http://schemas.microsoft.com/office/drawing/2010/main" w="9525">
                     <a:solidFill>
                       <a:srgbClr val="000000"/>
                     </a:solidFill>
@@ -11067,7 +11072,7 @@
               </a:ln>
               <a:extLst>
                 <a:ext uri="{91240B29-F687-4f45-9708-019B960494DF}">
-                  <a14:hiddenLine xmlns:a14="http://schemas.microsoft.com/office/drawing/2010/main" xmlns="" w="9525">
+                  <a14:hiddenLine xmlns="" xmlns:a14="http://schemas.microsoft.com/office/drawing/2010/main" w="9525">
                     <a:solidFill>
                       <a:srgbClr val="000000"/>
                     </a:solidFill>
@@ -11165,7 +11170,7 @@
               </a:ln>
               <a:extLst>
                 <a:ext uri="{91240B29-F687-4f45-9708-019B960494DF}">
-                  <a14:hiddenLine xmlns:a14="http://schemas.microsoft.com/office/drawing/2010/main" xmlns="" w="9525">
+                  <a14:hiddenLine xmlns="" xmlns:a14="http://schemas.microsoft.com/office/drawing/2010/main" w="9525">
                     <a:solidFill>
                       <a:srgbClr val="000000"/>
                     </a:solidFill>
@@ -11280,7 +11285,7 @@
               </a:ln>
               <a:extLst>
                 <a:ext uri="{91240B29-F687-4f45-9708-019B960494DF}">
-                  <a14:hiddenLine xmlns:a14="http://schemas.microsoft.com/office/drawing/2010/main" xmlns="" w="9525">
+                  <a14:hiddenLine xmlns="" xmlns:a14="http://schemas.microsoft.com/office/drawing/2010/main" w="9525">
                     <a:solidFill>
                       <a:srgbClr val="000000"/>
                     </a:solidFill>
@@ -11370,7 +11375,7 @@
               </a:ln>
               <a:extLst>
                 <a:ext uri="{91240B29-F687-4f45-9708-019B960494DF}">
-                  <a14:hiddenLine xmlns:a14="http://schemas.microsoft.com/office/drawing/2010/main" xmlns="" w="9525">
+                  <a14:hiddenLine xmlns="" xmlns:a14="http://schemas.microsoft.com/office/drawing/2010/main" w="9525">
                     <a:solidFill>
                       <a:srgbClr val="000000"/>
                     </a:solidFill>
@@ -11435,7 +11440,7 @@
               </a:ln>
               <a:extLst>
                 <a:ext uri="{91240B29-F687-4f45-9708-019B960494DF}">
-                  <a14:hiddenLine xmlns:a14="http://schemas.microsoft.com/office/drawing/2010/main" xmlns="" w="9525">
+                  <a14:hiddenLine xmlns="" xmlns:a14="http://schemas.microsoft.com/office/drawing/2010/main" w="9525">
                     <a:solidFill>
                       <a:srgbClr val="000000"/>
                     </a:solidFill>
@@ -11525,7 +11530,7 @@
               </a:ln>
               <a:extLst>
                 <a:ext uri="{91240B29-F687-4f45-9708-019B960494DF}">
-                  <a14:hiddenLine xmlns:a14="http://schemas.microsoft.com/office/drawing/2010/main" xmlns="" w="9525">
+                  <a14:hiddenLine xmlns="" xmlns:a14="http://schemas.microsoft.com/office/drawing/2010/main" w="9525">
                     <a:solidFill>
                       <a:srgbClr val="000000"/>
                     </a:solidFill>
@@ -11593,7 +11598,7 @@
               </a:ln>
               <a:extLst>
                 <a:ext uri="{91240B29-F687-4f45-9708-019B960494DF}">
-                  <a14:hiddenLine xmlns:a14="http://schemas.microsoft.com/office/drawing/2010/main" xmlns="" w="9525">
+                  <a14:hiddenLine xmlns="" xmlns:a14="http://schemas.microsoft.com/office/drawing/2010/main" w="9525">
                     <a:solidFill>
                       <a:srgbClr val="000000"/>
                     </a:solidFill>
@@ -11683,7 +11688,7 @@
               </a:ln>
               <a:extLst>
                 <a:ext uri="{91240B29-F687-4f45-9708-019B960494DF}">
-                  <a14:hiddenLine xmlns:a14="http://schemas.microsoft.com/office/drawing/2010/main" xmlns="" w="9525">
+                  <a14:hiddenLine xmlns="" xmlns:a14="http://schemas.microsoft.com/office/drawing/2010/main" w="9525">
                     <a:solidFill>
                       <a:srgbClr val="000000"/>
                     </a:solidFill>
@@ -11751,7 +11756,7 @@
               </a:ln>
               <a:extLst>
                 <a:ext uri="{91240B29-F687-4f45-9708-019B960494DF}">
-                  <a14:hiddenLine xmlns:a14="http://schemas.microsoft.com/office/drawing/2010/main" xmlns="" w="9525">
+                  <a14:hiddenLine xmlns="" xmlns:a14="http://schemas.microsoft.com/office/drawing/2010/main" w="9525">
                     <a:solidFill>
                       <a:srgbClr val="000000"/>
                     </a:solidFill>
@@ -11841,7 +11846,7 @@
               </a:ln>
               <a:extLst>
                 <a:ext uri="{91240B29-F687-4f45-9708-019B960494DF}">
-                  <a14:hiddenLine xmlns:a14="http://schemas.microsoft.com/office/drawing/2010/main" xmlns="" w="9525">
+                  <a14:hiddenLine xmlns="" xmlns:a14="http://schemas.microsoft.com/office/drawing/2010/main" w="9525">
                     <a:solidFill>
                       <a:srgbClr val="000000"/>
                     </a:solidFill>
@@ -11875,7 +11880,7 @@
               </a:ln>
               <a:extLst>
                 <a:ext uri="{91240B29-F687-4f45-9708-019B960494DF}">
-                  <a14:hiddenLine xmlns:a14="http://schemas.microsoft.com/office/drawing/2010/main" xmlns="" w="9525">
+                  <a14:hiddenLine xmlns="" xmlns:a14="http://schemas.microsoft.com/office/drawing/2010/main" w="9525">
                     <a:solidFill>
                       <a:srgbClr val="000000"/>
                     </a:solidFill>
@@ -12786,7 +12791,7 @@
         <p:spPr>
           <a:xfrm>
             <a:off x="838200" y="1690688"/>
-            <a:ext cx="10134600" cy="646331"/>
+            <a:ext cx="10134600" cy="923330"/>
           </a:xfrm>
           <a:prstGeom prst="rect">
             <a:avLst/>
@@ -12805,8 +12810,19 @@
             </a:r>
             <a:r>
               <a:rPr lang="fr-FR" dirty="0" smtClean="0"/>
-              <a:t>améra OV2640: Complexité et compatibilité avec les micro contrôleur</a:t>
+              <a:t>améra OV2640: Complexité et compatibilité avec les micro </a:t>
             </a:r>
+            <a:r>
+              <a:rPr lang="fr-FR" dirty="0" smtClean="0"/>
+              <a:t>contrôleur</a:t>
+            </a:r>
+          </a:p>
+          <a:p>
+            <a:r>
+              <a:rPr lang="fr-FR" dirty="0" smtClean="0"/>
+              <a:t>Gmail a bloqué l’envoie d’email automatique au bout d’un nombre trop important d’envoi d’e-mails</a:t>
+            </a:r>
+            <a:endParaRPr lang="fr-FR" dirty="0" smtClean="0"/>
           </a:p>
           <a:p>
             <a:endParaRPr lang="fr-FR" dirty="0" smtClean="0"/>
@@ -12882,7 +12898,7 @@
         <p:spPr>
           <a:xfrm>
             <a:off x="838200" y="1690688"/>
-            <a:ext cx="10134600" cy="1477328"/>
+            <a:ext cx="10134600" cy="1754326"/>
           </a:xfrm>
           <a:prstGeom prst="rect">
             <a:avLst/>
@@ -12906,8 +12922,13 @@
           <a:p>
             <a:r>
               <a:rPr lang="fr-FR" dirty="0" smtClean="0"/>
-              <a:t>De base, l’autre micro contrôleur était sensé prendre des photos, mais par la complexité et les limites techniques -&gt; remplacé par un envoi d’e-mail</a:t>
+              <a:t>De base, l’autre micro contrôleur était sensé prendre des photos, mais par la complexité et les limites techniques -&gt; remplacé par un envoi </a:t>
             </a:r>
+            <a:r>
+              <a:rPr lang="fr-FR" dirty="0" smtClean="0"/>
+              <a:t>d’e-mail. Toutefois, le blocage des e-mails intempestifs rend l’exemple impossible</a:t>
+            </a:r>
+            <a:endParaRPr lang="fr-FR" dirty="0" smtClean="0"/>
           </a:p>
         </p:txBody>
       </p:sp>

--- a/doc/Détection d'intrusion.pptx
+++ b/doc/Détection d'intrusion.pptx
@@ -9,7 +9,8 @@
     <p:sldId id="258" r:id="rId3"/>
     <p:sldId id="259" r:id="rId4"/>
     <p:sldId id="260" r:id="rId5"/>
-    <p:sldId id="261" r:id="rId6"/>
+    <p:sldId id="262" r:id="rId6"/>
+    <p:sldId id="261" r:id="rId7"/>
   </p:sldIdLst>
   <p:sldSz cx="12192000" cy="6858000"/>
   <p:notesSz cx="6858000" cy="9144000"/>
@@ -166,7 +167,7 @@
           <a:noFill/>
           <a:extLst>
             <a:ext uri="{909E8E84-426E-40dd-AFC4-6F175D3DCCD1}">
-              <a14:hiddenFill xmlns="" xmlns:a14="http://schemas.microsoft.com/office/drawing/2010/main">
+              <a14:hiddenFill xmlns:a14="http://schemas.microsoft.com/office/drawing/2010/main" xmlns="">
                 <a:solidFill>
                   <a:srgbClr val="FFFFFF"/>
                 </a:solidFill>
@@ -226,7 +227,7 @@
             </a:ln>
             <a:extLst>
               <a:ext uri="{91240B29-F687-4f45-9708-019B960494DF}">
-                <a14:hiddenLine xmlns="" xmlns:a14="http://schemas.microsoft.com/office/drawing/2010/main" w="9525">
+                <a14:hiddenLine xmlns:a14="http://schemas.microsoft.com/office/drawing/2010/main" xmlns="" w="9525">
                   <a:solidFill>
                     <a:srgbClr val="000000"/>
                   </a:solidFill>
@@ -316,7 +317,7 @@
             </a:ln>
             <a:extLst>
               <a:ext uri="{91240B29-F687-4f45-9708-019B960494DF}">
-                <a14:hiddenLine xmlns="" xmlns:a14="http://schemas.microsoft.com/office/drawing/2010/main" w="9525">
+                <a14:hiddenLine xmlns:a14="http://schemas.microsoft.com/office/drawing/2010/main" xmlns="" w="9525">
                   <a:solidFill>
                     <a:srgbClr val="000000"/>
                   </a:solidFill>
@@ -406,7 +407,7 @@
             </a:ln>
             <a:extLst>
               <a:ext uri="{91240B29-F687-4f45-9708-019B960494DF}">
-                <a14:hiddenLine xmlns="" xmlns:a14="http://schemas.microsoft.com/office/drawing/2010/main" w="9525">
+                <a14:hiddenLine xmlns:a14="http://schemas.microsoft.com/office/drawing/2010/main" xmlns="" w="9525">
                   <a:solidFill>
                     <a:srgbClr val="000000"/>
                   </a:solidFill>
@@ -440,7 +441,7 @@
             </a:ln>
             <a:extLst>
               <a:ext uri="{91240B29-F687-4f45-9708-019B960494DF}">
-                <a14:hiddenLine xmlns="" xmlns:a14="http://schemas.microsoft.com/office/drawing/2010/main" w="9525">
+                <a14:hiddenLine xmlns:a14="http://schemas.microsoft.com/office/drawing/2010/main" xmlns="" w="9525">
                   <a:solidFill>
                     <a:srgbClr val="000000"/>
                   </a:solidFill>
@@ -530,7 +531,7 @@
             </a:ln>
             <a:extLst>
               <a:ext uri="{91240B29-F687-4f45-9708-019B960494DF}">
-                <a14:hiddenLine xmlns="" xmlns:a14="http://schemas.microsoft.com/office/drawing/2010/main" w="9525">
+                <a14:hiddenLine xmlns:a14="http://schemas.microsoft.com/office/drawing/2010/main" xmlns="" w="9525">
                   <a:solidFill>
                     <a:srgbClr val="000000"/>
                   </a:solidFill>
@@ -592,7 +593,7 @@
             </a:ln>
             <a:extLst>
               <a:ext uri="{91240B29-F687-4f45-9708-019B960494DF}">
-                <a14:hiddenLine xmlns="" xmlns:a14="http://schemas.microsoft.com/office/drawing/2010/main" w="9525">
+                <a14:hiddenLine xmlns:a14="http://schemas.microsoft.com/office/drawing/2010/main" xmlns="" w="9525">
                   <a:solidFill>
                     <a:srgbClr val="000000"/>
                   </a:solidFill>
@@ -654,7 +655,7 @@
             </a:ln>
             <a:extLst>
               <a:ext uri="{91240B29-F687-4f45-9708-019B960494DF}">
-                <a14:hiddenLine xmlns="" xmlns:a14="http://schemas.microsoft.com/office/drawing/2010/main" w="9525">
+                <a14:hiddenLine xmlns:a14="http://schemas.microsoft.com/office/drawing/2010/main" xmlns="" w="9525">
                   <a:solidFill>
                     <a:srgbClr val="000000"/>
                   </a:solidFill>
@@ -744,7 +745,7 @@
             </a:ln>
             <a:extLst>
               <a:ext uri="{91240B29-F687-4f45-9708-019B960494DF}">
-                <a14:hiddenLine xmlns="" xmlns:a14="http://schemas.microsoft.com/office/drawing/2010/main" w="9525">
+                <a14:hiddenLine xmlns:a14="http://schemas.microsoft.com/office/drawing/2010/main" xmlns="" w="9525">
                   <a:solidFill>
                     <a:srgbClr val="000000"/>
                   </a:solidFill>
@@ -806,7 +807,7 @@
             </a:ln>
             <a:extLst>
               <a:ext uri="{91240B29-F687-4f45-9708-019B960494DF}">
-                <a14:hiddenLine xmlns="" xmlns:a14="http://schemas.microsoft.com/office/drawing/2010/main" w="9525">
+                <a14:hiddenLine xmlns:a14="http://schemas.microsoft.com/office/drawing/2010/main" xmlns="" w="9525">
                   <a:solidFill>
                     <a:srgbClr val="000000"/>
                   </a:solidFill>
@@ -868,7 +869,7 @@
             </a:ln>
             <a:extLst>
               <a:ext uri="{91240B29-F687-4f45-9708-019B960494DF}">
-                <a14:hiddenLine xmlns="" xmlns:a14="http://schemas.microsoft.com/office/drawing/2010/main" w="9525">
+                <a14:hiddenLine xmlns:a14="http://schemas.microsoft.com/office/drawing/2010/main" xmlns="" w="9525">
                   <a:solidFill>
                     <a:srgbClr val="000000"/>
                   </a:solidFill>
@@ -958,7 +959,7 @@
             </a:ln>
             <a:extLst>
               <a:ext uri="{91240B29-F687-4f45-9708-019B960494DF}">
-                <a14:hiddenLine xmlns="" xmlns:a14="http://schemas.microsoft.com/office/drawing/2010/main" w="9525">
+                <a14:hiddenLine xmlns:a14="http://schemas.microsoft.com/office/drawing/2010/main" xmlns="" w="9525">
                   <a:solidFill>
                     <a:srgbClr val="000000"/>
                   </a:solidFill>
@@ -1048,7 +1049,7 @@
             </a:ln>
             <a:extLst>
               <a:ext uri="{91240B29-F687-4f45-9708-019B960494DF}">
-                <a14:hiddenLine xmlns="" xmlns:a14="http://schemas.microsoft.com/office/drawing/2010/main" w="9525">
+                <a14:hiddenLine xmlns:a14="http://schemas.microsoft.com/office/drawing/2010/main" xmlns="" w="9525">
                   <a:solidFill>
                     <a:srgbClr val="000000"/>
                   </a:solidFill>
@@ -1110,7 +1111,7 @@
             </a:ln>
             <a:extLst>
               <a:ext uri="{91240B29-F687-4f45-9708-019B960494DF}">
-                <a14:hiddenLine xmlns="" xmlns:a14="http://schemas.microsoft.com/office/drawing/2010/main" w="9525">
+                <a14:hiddenLine xmlns:a14="http://schemas.microsoft.com/office/drawing/2010/main" xmlns="" w="9525">
                   <a:solidFill>
                     <a:srgbClr val="000000"/>
                   </a:solidFill>
@@ -1220,7 +1221,7 @@
             </a:ln>
             <a:extLst>
               <a:ext uri="{91240B29-F687-4f45-9708-019B960494DF}">
-                <a14:hiddenLine xmlns="" xmlns:a14="http://schemas.microsoft.com/office/drawing/2010/main" w="9525">
+                <a14:hiddenLine xmlns:a14="http://schemas.microsoft.com/office/drawing/2010/main" xmlns="" w="9525">
                   <a:solidFill>
                     <a:srgbClr val="000000"/>
                   </a:solidFill>
@@ -1282,7 +1283,7 @@
             </a:ln>
             <a:extLst>
               <a:ext uri="{91240B29-F687-4f45-9708-019B960494DF}">
-                <a14:hiddenLine xmlns="" xmlns:a14="http://schemas.microsoft.com/office/drawing/2010/main" w="9525">
+                <a14:hiddenLine xmlns:a14="http://schemas.microsoft.com/office/drawing/2010/main" xmlns="" w="9525">
                   <a:solidFill>
                     <a:srgbClr val="000000"/>
                   </a:solidFill>
@@ -1372,7 +1373,7 @@
             </a:ln>
             <a:extLst>
               <a:ext uri="{91240B29-F687-4f45-9708-019B960494DF}">
-                <a14:hiddenLine xmlns="" xmlns:a14="http://schemas.microsoft.com/office/drawing/2010/main" w="9525">
+                <a14:hiddenLine xmlns:a14="http://schemas.microsoft.com/office/drawing/2010/main" xmlns="" w="9525">
                   <a:solidFill>
                     <a:srgbClr val="000000"/>
                   </a:solidFill>
@@ -1462,7 +1463,7 @@
             </a:ln>
             <a:extLst>
               <a:ext uri="{91240B29-F687-4f45-9708-019B960494DF}">
-                <a14:hiddenLine xmlns="" xmlns:a14="http://schemas.microsoft.com/office/drawing/2010/main" w="9525">
+                <a14:hiddenLine xmlns:a14="http://schemas.microsoft.com/office/drawing/2010/main" xmlns="" w="9525">
                   <a:solidFill>
                     <a:srgbClr val="000000"/>
                   </a:solidFill>
@@ -1524,7 +1525,7 @@
             </a:ln>
             <a:extLst>
               <a:ext uri="{91240B29-F687-4f45-9708-019B960494DF}">
-                <a14:hiddenLine xmlns="" xmlns:a14="http://schemas.microsoft.com/office/drawing/2010/main" w="9525">
+                <a14:hiddenLine xmlns:a14="http://schemas.microsoft.com/office/drawing/2010/main" xmlns="" w="9525">
                   <a:solidFill>
                     <a:srgbClr val="000000"/>
                   </a:solidFill>
@@ -1614,7 +1615,7 @@
             </a:ln>
             <a:extLst>
               <a:ext uri="{91240B29-F687-4f45-9708-019B960494DF}">
-                <a14:hiddenLine xmlns="" xmlns:a14="http://schemas.microsoft.com/office/drawing/2010/main" w="9525">
+                <a14:hiddenLine xmlns:a14="http://schemas.microsoft.com/office/drawing/2010/main" xmlns="" w="9525">
                   <a:solidFill>
                     <a:srgbClr val="000000"/>
                   </a:solidFill>
@@ -1704,7 +1705,7 @@
             </a:ln>
             <a:extLst>
               <a:ext uri="{91240B29-F687-4f45-9708-019B960494DF}">
-                <a14:hiddenLine xmlns="" xmlns:a14="http://schemas.microsoft.com/office/drawing/2010/main" w="9525">
+                <a14:hiddenLine xmlns:a14="http://schemas.microsoft.com/office/drawing/2010/main" xmlns="" w="9525">
                   <a:solidFill>
                     <a:srgbClr val="000000"/>
                   </a:solidFill>
@@ -1760,7 +1761,7 @@
             </a:ln>
             <a:extLst>
               <a:ext uri="{91240B29-F687-4f45-9708-019B960494DF}">
-                <a14:hiddenLine xmlns="" xmlns:a14="http://schemas.microsoft.com/office/drawing/2010/main" w="9525">
+                <a14:hiddenLine xmlns:a14="http://schemas.microsoft.com/office/drawing/2010/main" xmlns="" w="9525">
                   <a:solidFill>
                     <a:srgbClr val="000000"/>
                   </a:solidFill>
@@ -1850,7 +1851,7 @@
             </a:ln>
             <a:extLst>
               <a:ext uri="{91240B29-F687-4f45-9708-019B960494DF}">
-                <a14:hiddenLine xmlns="" xmlns:a14="http://schemas.microsoft.com/office/drawing/2010/main" w="9525">
+                <a14:hiddenLine xmlns:a14="http://schemas.microsoft.com/office/drawing/2010/main" xmlns="" w="9525">
                   <a:solidFill>
                     <a:srgbClr val="000000"/>
                   </a:solidFill>
@@ -1906,7 +1907,7 @@
             </a:ln>
             <a:extLst>
               <a:ext uri="{91240B29-F687-4f45-9708-019B960494DF}">
-                <a14:hiddenLine xmlns="" xmlns:a14="http://schemas.microsoft.com/office/drawing/2010/main" w="9525">
+                <a14:hiddenLine xmlns:a14="http://schemas.microsoft.com/office/drawing/2010/main" xmlns="" w="9525">
                   <a:solidFill>
                     <a:srgbClr val="000000"/>
                   </a:solidFill>
@@ -1996,7 +1997,7 @@
             </a:ln>
             <a:extLst>
               <a:ext uri="{91240B29-F687-4f45-9708-019B960494DF}">
-                <a14:hiddenLine xmlns="" xmlns:a14="http://schemas.microsoft.com/office/drawing/2010/main" w="9525">
+                <a14:hiddenLine xmlns:a14="http://schemas.microsoft.com/office/drawing/2010/main" xmlns="" w="9525">
                   <a:solidFill>
                     <a:srgbClr val="000000"/>
                   </a:solidFill>
@@ -2064,7 +2065,7 @@
             </a:ln>
             <a:extLst>
               <a:ext uri="{91240B29-F687-4f45-9708-019B960494DF}">
-                <a14:hiddenLine xmlns="" xmlns:a14="http://schemas.microsoft.com/office/drawing/2010/main" w="9525">
+                <a14:hiddenLine xmlns:a14="http://schemas.microsoft.com/office/drawing/2010/main" xmlns="" w="9525">
                   <a:solidFill>
                     <a:srgbClr val="000000"/>
                   </a:solidFill>
@@ -2154,7 +2155,7 @@
             </a:ln>
             <a:extLst>
               <a:ext uri="{91240B29-F687-4f45-9708-019B960494DF}">
-                <a14:hiddenLine xmlns="" xmlns:a14="http://schemas.microsoft.com/office/drawing/2010/main" w="9525">
+                <a14:hiddenLine xmlns:a14="http://schemas.microsoft.com/office/drawing/2010/main" xmlns="" w="9525">
                   <a:solidFill>
                     <a:srgbClr val="000000"/>
                   </a:solidFill>
@@ -2222,7 +2223,7 @@
             </a:ln>
             <a:extLst>
               <a:ext uri="{91240B29-F687-4f45-9708-019B960494DF}">
-                <a14:hiddenLine xmlns="" xmlns:a14="http://schemas.microsoft.com/office/drawing/2010/main" w="9525">
+                <a14:hiddenLine xmlns:a14="http://schemas.microsoft.com/office/drawing/2010/main" xmlns="" w="9525">
                   <a:solidFill>
                     <a:srgbClr val="000000"/>
                   </a:solidFill>
@@ -2312,7 +2313,7 @@
             </a:ln>
             <a:extLst>
               <a:ext uri="{91240B29-F687-4f45-9708-019B960494DF}">
-                <a14:hiddenLine xmlns="" xmlns:a14="http://schemas.microsoft.com/office/drawing/2010/main" w="9525">
+                <a14:hiddenLine xmlns:a14="http://schemas.microsoft.com/office/drawing/2010/main" xmlns="" w="9525">
                   <a:solidFill>
                     <a:srgbClr val="000000"/>
                   </a:solidFill>
@@ -2346,7 +2347,7 @@
             </a:ln>
             <a:extLst>
               <a:ext uri="{91240B29-F687-4f45-9708-019B960494DF}">
-                <a14:hiddenLine xmlns="" xmlns:a14="http://schemas.microsoft.com/office/drawing/2010/main" w="9525">
+                <a14:hiddenLine xmlns:a14="http://schemas.microsoft.com/office/drawing/2010/main" xmlns="" w="9525">
                   <a:solidFill>
                     <a:srgbClr val="000000"/>
                   </a:solidFill>
@@ -2436,7 +2437,7 @@
             </a:ln>
             <a:extLst>
               <a:ext uri="{91240B29-F687-4f45-9708-019B960494DF}">
-                <a14:hiddenLine xmlns="" xmlns:a14="http://schemas.microsoft.com/office/drawing/2010/main" w="9525">
+                <a14:hiddenLine xmlns:a14="http://schemas.microsoft.com/office/drawing/2010/main" xmlns="" w="9525">
                   <a:solidFill>
                     <a:srgbClr val="000000"/>
                   </a:solidFill>
@@ -2498,7 +2499,7 @@
             </a:ln>
             <a:extLst>
               <a:ext uri="{91240B29-F687-4f45-9708-019B960494DF}">
-                <a14:hiddenLine xmlns="" xmlns:a14="http://schemas.microsoft.com/office/drawing/2010/main" w="9525">
+                <a14:hiddenLine xmlns:a14="http://schemas.microsoft.com/office/drawing/2010/main" xmlns="" w="9525">
                   <a:solidFill>
                     <a:srgbClr val="000000"/>
                   </a:solidFill>
@@ -2560,7 +2561,7 @@
             </a:ln>
             <a:extLst>
               <a:ext uri="{91240B29-F687-4f45-9708-019B960494DF}">
-                <a14:hiddenLine xmlns="" xmlns:a14="http://schemas.microsoft.com/office/drawing/2010/main" w="9525">
+                <a14:hiddenLine xmlns:a14="http://schemas.microsoft.com/office/drawing/2010/main" xmlns="" w="9525">
                   <a:solidFill>
                     <a:srgbClr val="000000"/>
                   </a:solidFill>
@@ -2650,7 +2651,7 @@
             </a:ln>
             <a:extLst>
               <a:ext uri="{91240B29-F687-4f45-9708-019B960494DF}">
-                <a14:hiddenLine xmlns="" xmlns:a14="http://schemas.microsoft.com/office/drawing/2010/main" w="9525">
+                <a14:hiddenLine xmlns:a14="http://schemas.microsoft.com/office/drawing/2010/main" xmlns="" w="9525">
                   <a:solidFill>
                     <a:srgbClr val="000000"/>
                   </a:solidFill>
@@ -2718,7 +2719,7 @@
             </a:ln>
             <a:extLst>
               <a:ext uri="{91240B29-F687-4f45-9708-019B960494DF}">
-                <a14:hiddenLine xmlns="" xmlns:a14="http://schemas.microsoft.com/office/drawing/2010/main" w="9525">
+                <a14:hiddenLine xmlns:a14="http://schemas.microsoft.com/office/drawing/2010/main" xmlns="" w="9525">
                   <a:solidFill>
                     <a:srgbClr val="000000"/>
                   </a:solidFill>
@@ -2780,7 +2781,7 @@
             </a:ln>
             <a:extLst>
               <a:ext uri="{91240B29-F687-4f45-9708-019B960494DF}">
-                <a14:hiddenLine xmlns="" xmlns:a14="http://schemas.microsoft.com/office/drawing/2010/main" w="9525">
+                <a14:hiddenLine xmlns:a14="http://schemas.microsoft.com/office/drawing/2010/main" xmlns="" w="9525">
                   <a:solidFill>
                     <a:srgbClr val="000000"/>
                   </a:solidFill>
@@ -2870,7 +2871,7 @@
             </a:ln>
             <a:extLst>
               <a:ext uri="{91240B29-F687-4f45-9708-019B960494DF}">
-                <a14:hiddenLine xmlns="" xmlns:a14="http://schemas.microsoft.com/office/drawing/2010/main" w="9525">
+                <a14:hiddenLine xmlns:a14="http://schemas.microsoft.com/office/drawing/2010/main" xmlns="" w="9525">
                   <a:solidFill>
                     <a:srgbClr val="000000"/>
                   </a:solidFill>
@@ -2932,7 +2933,7 @@
             </a:ln>
             <a:extLst>
               <a:ext uri="{91240B29-F687-4f45-9708-019B960494DF}">
-                <a14:hiddenLine xmlns="" xmlns:a14="http://schemas.microsoft.com/office/drawing/2010/main" w="9525">
+                <a14:hiddenLine xmlns:a14="http://schemas.microsoft.com/office/drawing/2010/main" xmlns="" w="9525">
                   <a:solidFill>
                     <a:srgbClr val="000000"/>
                   </a:solidFill>
@@ -3022,7 +3023,7 @@
             </a:ln>
             <a:extLst>
               <a:ext uri="{91240B29-F687-4f45-9708-019B960494DF}">
-                <a14:hiddenLine xmlns="" xmlns:a14="http://schemas.microsoft.com/office/drawing/2010/main" w="9525">
+                <a14:hiddenLine xmlns:a14="http://schemas.microsoft.com/office/drawing/2010/main" xmlns="" w="9525">
                   <a:solidFill>
                     <a:srgbClr val="000000"/>
                   </a:solidFill>
@@ -3084,7 +3085,7 @@
             </a:ln>
             <a:extLst>
               <a:ext uri="{91240B29-F687-4f45-9708-019B960494DF}">
-                <a14:hiddenLine xmlns="" xmlns:a14="http://schemas.microsoft.com/office/drawing/2010/main" w="9525">
+                <a14:hiddenLine xmlns:a14="http://schemas.microsoft.com/office/drawing/2010/main" xmlns="" w="9525">
                   <a:solidFill>
                     <a:srgbClr val="000000"/>
                   </a:solidFill>
@@ -3174,7 +3175,7 @@
             </a:ln>
             <a:extLst>
               <a:ext uri="{91240B29-F687-4f45-9708-019B960494DF}">
-                <a14:hiddenLine xmlns="" xmlns:a14="http://schemas.microsoft.com/office/drawing/2010/main" w="9525">
+                <a14:hiddenLine xmlns:a14="http://schemas.microsoft.com/office/drawing/2010/main" xmlns="" w="9525">
                   <a:solidFill>
                     <a:srgbClr val="000000"/>
                   </a:solidFill>
@@ -3208,7 +3209,7 @@
             </a:ln>
             <a:extLst>
               <a:ext uri="{91240B29-F687-4f45-9708-019B960494DF}">
-                <a14:hiddenLine xmlns="" xmlns:a14="http://schemas.microsoft.com/office/drawing/2010/main" w="9525">
+                <a14:hiddenLine xmlns:a14="http://schemas.microsoft.com/office/drawing/2010/main" xmlns="" w="9525">
                   <a:solidFill>
                     <a:srgbClr val="000000"/>
                   </a:solidFill>
@@ -3273,7 +3274,7 @@
             </a:ln>
             <a:extLst>
               <a:ext uri="{91240B29-F687-4f45-9708-019B960494DF}">
-                <a14:hiddenLine xmlns="" xmlns:a14="http://schemas.microsoft.com/office/drawing/2010/main" w="9525">
+                <a14:hiddenLine xmlns:a14="http://schemas.microsoft.com/office/drawing/2010/main" xmlns="" w="9525">
                   <a:solidFill>
                     <a:srgbClr val="000000"/>
                   </a:solidFill>
@@ -3363,7 +3364,7 @@
             </a:ln>
             <a:extLst>
               <a:ext uri="{91240B29-F687-4f45-9708-019B960494DF}">
-                <a14:hiddenLine xmlns="" xmlns:a14="http://schemas.microsoft.com/office/drawing/2010/main" w="9525">
+                <a14:hiddenLine xmlns:a14="http://schemas.microsoft.com/office/drawing/2010/main" xmlns="" w="9525">
                   <a:solidFill>
                     <a:srgbClr val="000000"/>
                   </a:solidFill>
@@ -3425,7 +3426,7 @@
             </a:ln>
             <a:extLst>
               <a:ext uri="{91240B29-F687-4f45-9708-019B960494DF}">
-                <a14:hiddenLine xmlns="" xmlns:a14="http://schemas.microsoft.com/office/drawing/2010/main" w="9525">
+                <a14:hiddenLine xmlns:a14="http://schemas.microsoft.com/office/drawing/2010/main" xmlns="" w="9525">
                   <a:solidFill>
                     <a:srgbClr val="000000"/>
                   </a:solidFill>
@@ -3515,7 +3516,7 @@
             </a:ln>
             <a:extLst>
               <a:ext uri="{91240B29-F687-4f45-9708-019B960494DF}">
-                <a14:hiddenLine xmlns="" xmlns:a14="http://schemas.microsoft.com/office/drawing/2010/main" w="9525">
+                <a14:hiddenLine xmlns:a14="http://schemas.microsoft.com/office/drawing/2010/main" xmlns="" w="9525">
                   <a:solidFill>
                     <a:srgbClr val="000000"/>
                   </a:solidFill>
@@ -3605,7 +3606,7 @@
             </a:ln>
             <a:extLst>
               <a:ext uri="{91240B29-F687-4f45-9708-019B960494DF}">
-                <a14:hiddenLine xmlns="" xmlns:a14="http://schemas.microsoft.com/office/drawing/2010/main" w="9525">
+                <a14:hiddenLine xmlns:a14="http://schemas.microsoft.com/office/drawing/2010/main" xmlns="" w="9525">
                   <a:solidFill>
                     <a:srgbClr val="000000"/>
                   </a:solidFill>
@@ -3670,7 +3671,7 @@
             </a:ln>
             <a:extLst>
               <a:ext uri="{91240B29-F687-4f45-9708-019B960494DF}">
-                <a14:hiddenLine xmlns="" xmlns:a14="http://schemas.microsoft.com/office/drawing/2010/main" w="9525">
+                <a14:hiddenLine xmlns:a14="http://schemas.microsoft.com/office/drawing/2010/main" xmlns="" w="9525">
                   <a:solidFill>
                     <a:srgbClr val="000000"/>
                   </a:solidFill>
@@ -3732,7 +3733,7 @@
             </a:ln>
             <a:extLst>
               <a:ext uri="{91240B29-F687-4f45-9708-019B960494DF}">
-                <a14:hiddenLine xmlns="" xmlns:a14="http://schemas.microsoft.com/office/drawing/2010/main" w="9525">
+                <a14:hiddenLine xmlns:a14="http://schemas.microsoft.com/office/drawing/2010/main" xmlns="" w="9525">
                   <a:solidFill>
                     <a:srgbClr val="000000"/>
                   </a:solidFill>
@@ -3822,7 +3823,7 @@
             </a:ln>
             <a:extLst>
               <a:ext uri="{91240B29-F687-4f45-9708-019B960494DF}">
-                <a14:hiddenLine xmlns="" xmlns:a14="http://schemas.microsoft.com/office/drawing/2010/main" w="9525">
+                <a14:hiddenLine xmlns:a14="http://schemas.microsoft.com/office/drawing/2010/main" xmlns="" w="9525">
                   <a:solidFill>
                     <a:srgbClr val="000000"/>
                   </a:solidFill>
@@ -3912,7 +3913,7 @@
             </a:ln>
             <a:extLst>
               <a:ext uri="{91240B29-F687-4f45-9708-019B960494DF}">
-                <a14:hiddenLine xmlns="" xmlns:a14="http://schemas.microsoft.com/office/drawing/2010/main" w="9525">
+                <a14:hiddenLine xmlns:a14="http://schemas.microsoft.com/office/drawing/2010/main" xmlns="" w="9525">
                   <a:solidFill>
                     <a:srgbClr val="000000"/>
                   </a:solidFill>
@@ -3974,7 +3975,7 @@
             </a:ln>
             <a:extLst>
               <a:ext uri="{91240B29-F687-4f45-9708-019B960494DF}">
-                <a14:hiddenLine xmlns="" xmlns:a14="http://schemas.microsoft.com/office/drawing/2010/main" w="9525">
+                <a14:hiddenLine xmlns:a14="http://schemas.microsoft.com/office/drawing/2010/main" xmlns="" w="9525">
                   <a:solidFill>
                     <a:srgbClr val="000000"/>
                   </a:solidFill>
@@ -4094,7 +4095,7 @@
             </a:ln>
             <a:extLst>
               <a:ext uri="{91240B29-F687-4f45-9708-019B960494DF}">
-                <a14:hiddenLine xmlns="" xmlns:a14="http://schemas.microsoft.com/office/drawing/2010/main" w="9525">
+                <a14:hiddenLine xmlns:a14="http://schemas.microsoft.com/office/drawing/2010/main" xmlns="" w="9525">
                   <a:solidFill>
                     <a:srgbClr val="000000"/>
                   </a:solidFill>
@@ -4162,7 +4163,7 @@
             </a:ln>
             <a:extLst>
               <a:ext uri="{91240B29-F687-4f45-9708-019B960494DF}">
-                <a14:hiddenLine xmlns="" xmlns:a14="http://schemas.microsoft.com/office/drawing/2010/main" w="9525">
+                <a14:hiddenLine xmlns:a14="http://schemas.microsoft.com/office/drawing/2010/main" xmlns="" w="9525">
                   <a:solidFill>
                     <a:srgbClr val="000000"/>
                   </a:solidFill>
@@ -4252,7 +4253,7 @@
             </a:ln>
             <a:extLst>
               <a:ext uri="{91240B29-F687-4f45-9708-019B960494DF}">
-                <a14:hiddenLine xmlns="" xmlns:a14="http://schemas.microsoft.com/office/drawing/2010/main" w="9525">
+                <a14:hiddenLine xmlns:a14="http://schemas.microsoft.com/office/drawing/2010/main" xmlns="" w="9525">
                   <a:solidFill>
                     <a:srgbClr val="000000"/>
                   </a:solidFill>
@@ -9059,7 +9060,7 @@
           <a:noFill/>
           <a:extLst>
             <a:ext uri="{909E8E84-426E-40dd-AFC4-6F175D3DCCD1}">
-              <a14:hiddenFill xmlns="" xmlns:a14="http://schemas.microsoft.com/office/drawing/2010/main">
+              <a14:hiddenFill xmlns:a14="http://schemas.microsoft.com/office/drawing/2010/main" xmlns="">
                 <a:solidFill>
                   <a:srgbClr val="FFFFFF"/>
                 </a:solidFill>
@@ -9133,7 +9134,7 @@
               </a:ln>
               <a:extLst>
                 <a:ext uri="{91240B29-F687-4f45-9708-019B960494DF}">
-                  <a14:hiddenLine xmlns="" xmlns:a14="http://schemas.microsoft.com/office/drawing/2010/main" w="9525">
+                  <a14:hiddenLine xmlns:a14="http://schemas.microsoft.com/office/drawing/2010/main" xmlns="" w="9525">
                     <a:solidFill>
                       <a:srgbClr val="000000"/>
                     </a:solidFill>
@@ -9223,7 +9224,7 @@
               </a:ln>
               <a:extLst>
                 <a:ext uri="{91240B29-F687-4f45-9708-019B960494DF}">
-                  <a14:hiddenLine xmlns="" xmlns:a14="http://schemas.microsoft.com/office/drawing/2010/main" w="9525">
+                  <a14:hiddenLine xmlns:a14="http://schemas.microsoft.com/office/drawing/2010/main" xmlns="" w="9525">
                     <a:solidFill>
                       <a:srgbClr val="000000"/>
                     </a:solidFill>
@@ -9313,7 +9314,7 @@
               </a:ln>
               <a:extLst>
                 <a:ext uri="{91240B29-F687-4f45-9708-019B960494DF}">
-                  <a14:hiddenLine xmlns="" xmlns:a14="http://schemas.microsoft.com/office/drawing/2010/main" w="9525">
+                  <a14:hiddenLine xmlns:a14="http://schemas.microsoft.com/office/drawing/2010/main" xmlns="" w="9525">
                     <a:solidFill>
                       <a:srgbClr val="000000"/>
                     </a:solidFill>
@@ -9375,7 +9376,7 @@
               </a:ln>
               <a:extLst>
                 <a:ext uri="{91240B29-F687-4f45-9708-019B960494DF}">
-                  <a14:hiddenLine xmlns="" xmlns:a14="http://schemas.microsoft.com/office/drawing/2010/main" w="9525">
+                  <a14:hiddenLine xmlns:a14="http://schemas.microsoft.com/office/drawing/2010/main" xmlns="" w="9525">
                     <a:solidFill>
                       <a:srgbClr val="000000"/>
                     </a:solidFill>
@@ -9465,7 +9466,7 @@
               </a:ln>
               <a:extLst>
                 <a:ext uri="{91240B29-F687-4f45-9708-019B960494DF}">
-                  <a14:hiddenLine xmlns="" xmlns:a14="http://schemas.microsoft.com/office/drawing/2010/main" w="9525">
+                  <a14:hiddenLine xmlns:a14="http://schemas.microsoft.com/office/drawing/2010/main" xmlns="" w="9525">
                     <a:solidFill>
                       <a:srgbClr val="000000"/>
                     </a:solidFill>
@@ -9527,7 +9528,7 @@
               </a:ln>
               <a:extLst>
                 <a:ext uri="{91240B29-F687-4f45-9708-019B960494DF}">
-                  <a14:hiddenLine xmlns="" xmlns:a14="http://schemas.microsoft.com/office/drawing/2010/main" w="9525">
+                  <a14:hiddenLine xmlns:a14="http://schemas.microsoft.com/office/drawing/2010/main" xmlns="" w="9525">
                     <a:solidFill>
                       <a:srgbClr val="000000"/>
                     </a:solidFill>
@@ -9589,7 +9590,7 @@
               </a:ln>
               <a:extLst>
                 <a:ext uri="{91240B29-F687-4f45-9708-019B960494DF}">
-                  <a14:hiddenLine xmlns="" xmlns:a14="http://schemas.microsoft.com/office/drawing/2010/main" w="9525">
+                  <a14:hiddenLine xmlns:a14="http://schemas.microsoft.com/office/drawing/2010/main" xmlns="" w="9525">
                     <a:solidFill>
                       <a:srgbClr val="000000"/>
                     </a:solidFill>
@@ -9679,7 +9680,7 @@
               </a:ln>
               <a:extLst>
                 <a:ext uri="{91240B29-F687-4f45-9708-019B960494DF}">
-                  <a14:hiddenLine xmlns="" xmlns:a14="http://schemas.microsoft.com/office/drawing/2010/main" w="9525">
+                  <a14:hiddenLine xmlns:a14="http://schemas.microsoft.com/office/drawing/2010/main" xmlns="" w="9525">
                     <a:solidFill>
                       <a:srgbClr val="000000"/>
                     </a:solidFill>
@@ -9769,7 +9770,7 @@
               </a:ln>
               <a:extLst>
                 <a:ext uri="{91240B29-F687-4f45-9708-019B960494DF}">
-                  <a14:hiddenLine xmlns="" xmlns:a14="http://schemas.microsoft.com/office/drawing/2010/main" w="9525">
+                  <a14:hiddenLine xmlns:a14="http://schemas.microsoft.com/office/drawing/2010/main" xmlns="" w="9525">
                     <a:solidFill>
                       <a:srgbClr val="000000"/>
                     </a:solidFill>
@@ -9831,7 +9832,7 @@
               </a:ln>
               <a:extLst>
                 <a:ext uri="{91240B29-F687-4f45-9708-019B960494DF}">
-                  <a14:hiddenLine xmlns="" xmlns:a14="http://schemas.microsoft.com/office/drawing/2010/main" w="9525">
+                  <a14:hiddenLine xmlns:a14="http://schemas.microsoft.com/office/drawing/2010/main" xmlns="" w="9525">
                     <a:solidFill>
                       <a:srgbClr val="000000"/>
                     </a:solidFill>
@@ -9941,7 +9942,7 @@
               </a:ln>
               <a:extLst>
                 <a:ext uri="{91240B29-F687-4f45-9708-019B960494DF}">
-                  <a14:hiddenLine xmlns="" xmlns:a14="http://schemas.microsoft.com/office/drawing/2010/main" w="9525">
+                  <a14:hiddenLine xmlns:a14="http://schemas.microsoft.com/office/drawing/2010/main" xmlns="" w="9525">
                     <a:solidFill>
                       <a:srgbClr val="000000"/>
                     </a:solidFill>
@@ -10025,7 +10026,7 @@
               </a:ln>
               <a:extLst>
                 <a:ext uri="{91240B29-F687-4f45-9708-019B960494DF}">
-                  <a14:hiddenLine xmlns="" xmlns:a14="http://schemas.microsoft.com/office/drawing/2010/main" w="9525">
+                  <a14:hiddenLine xmlns:a14="http://schemas.microsoft.com/office/drawing/2010/main" xmlns="" w="9525">
                     <a:solidFill>
                       <a:srgbClr val="000000"/>
                     </a:solidFill>
@@ -10087,7 +10088,7 @@
               </a:ln>
               <a:extLst>
                 <a:ext uri="{91240B29-F687-4f45-9708-019B960494DF}">
-                  <a14:hiddenLine xmlns="" xmlns:a14="http://schemas.microsoft.com/office/drawing/2010/main" w="9525">
+                  <a14:hiddenLine xmlns:a14="http://schemas.microsoft.com/office/drawing/2010/main" xmlns="" w="9525">
                     <a:solidFill>
                       <a:srgbClr val="000000"/>
                     </a:solidFill>
@@ -10149,7 +10150,7 @@
               </a:ln>
               <a:extLst>
                 <a:ext uri="{91240B29-F687-4f45-9708-019B960494DF}">
-                  <a14:hiddenLine xmlns="" xmlns:a14="http://schemas.microsoft.com/office/drawing/2010/main" w="9525">
+                  <a14:hiddenLine xmlns:a14="http://schemas.microsoft.com/office/drawing/2010/main" xmlns="" w="9525">
                     <a:solidFill>
                       <a:srgbClr val="000000"/>
                     </a:solidFill>
@@ -10239,7 +10240,7 @@
               </a:ln>
               <a:extLst>
                 <a:ext uri="{91240B29-F687-4f45-9708-019B960494DF}">
-                  <a14:hiddenLine xmlns="" xmlns:a14="http://schemas.microsoft.com/office/drawing/2010/main" w="9525">
+                  <a14:hiddenLine xmlns:a14="http://schemas.microsoft.com/office/drawing/2010/main" xmlns="" w="9525">
                     <a:solidFill>
                       <a:srgbClr val="000000"/>
                     </a:solidFill>
@@ -10273,7 +10274,7 @@
               </a:ln>
               <a:extLst>
                 <a:ext uri="{91240B29-F687-4f45-9708-019B960494DF}">
-                  <a14:hiddenLine xmlns="" xmlns:a14="http://schemas.microsoft.com/office/drawing/2010/main" w="9525">
+                  <a14:hiddenLine xmlns:a14="http://schemas.microsoft.com/office/drawing/2010/main" xmlns="" w="9525">
                     <a:solidFill>
                       <a:srgbClr val="000000"/>
                     </a:solidFill>
@@ -10338,7 +10339,7 @@
               </a:ln>
               <a:extLst>
                 <a:ext uri="{91240B29-F687-4f45-9708-019B960494DF}">
-                  <a14:hiddenLine xmlns="" xmlns:a14="http://schemas.microsoft.com/office/drawing/2010/main" w="9525">
+                  <a14:hiddenLine xmlns:a14="http://schemas.microsoft.com/office/drawing/2010/main" xmlns="" w="9525">
                     <a:solidFill>
                       <a:srgbClr val="000000"/>
                     </a:solidFill>
@@ -10428,7 +10429,7 @@
               </a:ln>
               <a:extLst>
                 <a:ext uri="{91240B29-F687-4f45-9708-019B960494DF}">
-                  <a14:hiddenLine xmlns="" xmlns:a14="http://schemas.microsoft.com/office/drawing/2010/main" w="9525">
+                  <a14:hiddenLine xmlns:a14="http://schemas.microsoft.com/office/drawing/2010/main" xmlns="" w="9525">
                     <a:solidFill>
                       <a:srgbClr val="000000"/>
                     </a:solidFill>
@@ -10490,7 +10491,7 @@
               </a:ln>
               <a:extLst>
                 <a:ext uri="{91240B29-F687-4f45-9708-019B960494DF}">
-                  <a14:hiddenLine xmlns="" xmlns:a14="http://schemas.microsoft.com/office/drawing/2010/main" w="9525">
+                  <a14:hiddenLine xmlns:a14="http://schemas.microsoft.com/office/drawing/2010/main" xmlns="" w="9525">
                     <a:solidFill>
                       <a:srgbClr val="000000"/>
                     </a:solidFill>
@@ -10580,7 +10581,7 @@
               </a:ln>
               <a:extLst>
                 <a:ext uri="{91240B29-F687-4f45-9708-019B960494DF}">
-                  <a14:hiddenLine xmlns="" xmlns:a14="http://schemas.microsoft.com/office/drawing/2010/main" w="9525">
+                  <a14:hiddenLine xmlns:a14="http://schemas.microsoft.com/office/drawing/2010/main" xmlns="" w="9525">
                     <a:solidFill>
                       <a:srgbClr val="000000"/>
                     </a:solidFill>
@@ -10645,7 +10646,7 @@
               </a:ln>
               <a:extLst>
                 <a:ext uri="{91240B29-F687-4f45-9708-019B960494DF}">
-                  <a14:hiddenLine xmlns="" xmlns:a14="http://schemas.microsoft.com/office/drawing/2010/main" w="9525">
+                  <a14:hiddenLine xmlns:a14="http://schemas.microsoft.com/office/drawing/2010/main" xmlns="" w="9525">
                     <a:solidFill>
                       <a:srgbClr val="000000"/>
                     </a:solidFill>
@@ -10707,7 +10708,7 @@
               </a:ln>
               <a:extLst>
                 <a:ext uri="{91240B29-F687-4f45-9708-019B960494DF}">
-                  <a14:hiddenLine xmlns="" xmlns:a14="http://schemas.microsoft.com/office/drawing/2010/main" w="9525">
+                  <a14:hiddenLine xmlns:a14="http://schemas.microsoft.com/office/drawing/2010/main" xmlns="" w="9525">
                     <a:solidFill>
                       <a:srgbClr val="000000"/>
                     </a:solidFill>
@@ -10797,7 +10798,7 @@
               </a:ln>
               <a:extLst>
                 <a:ext uri="{91240B29-F687-4f45-9708-019B960494DF}">
-                  <a14:hiddenLine xmlns="" xmlns:a14="http://schemas.microsoft.com/office/drawing/2010/main" w="9525">
+                  <a14:hiddenLine xmlns:a14="http://schemas.microsoft.com/office/drawing/2010/main" xmlns="" w="9525">
                     <a:solidFill>
                       <a:srgbClr val="000000"/>
                     </a:solidFill>
@@ -10887,7 +10888,7 @@
               </a:ln>
               <a:extLst>
                 <a:ext uri="{91240B29-F687-4f45-9708-019B960494DF}">
-                  <a14:hiddenLine xmlns="" xmlns:a14="http://schemas.microsoft.com/office/drawing/2010/main" w="9525">
+                  <a14:hiddenLine xmlns:a14="http://schemas.microsoft.com/office/drawing/2010/main" xmlns="" w="9525">
                     <a:solidFill>
                       <a:srgbClr val="000000"/>
                     </a:solidFill>
@@ -10952,7 +10953,7 @@
               </a:ln>
               <a:extLst>
                 <a:ext uri="{91240B29-F687-4f45-9708-019B960494DF}">
-                  <a14:hiddenLine xmlns="" xmlns:a14="http://schemas.microsoft.com/office/drawing/2010/main" w="9525">
+                  <a14:hiddenLine xmlns:a14="http://schemas.microsoft.com/office/drawing/2010/main" xmlns="" w="9525">
                     <a:solidFill>
                       <a:srgbClr val="000000"/>
                     </a:solidFill>
@@ -11072,7 +11073,7 @@
               </a:ln>
               <a:extLst>
                 <a:ext uri="{91240B29-F687-4f45-9708-019B960494DF}">
-                  <a14:hiddenLine xmlns="" xmlns:a14="http://schemas.microsoft.com/office/drawing/2010/main" w="9525">
+                  <a14:hiddenLine xmlns:a14="http://schemas.microsoft.com/office/drawing/2010/main" xmlns="" w="9525">
                     <a:solidFill>
                       <a:srgbClr val="000000"/>
                     </a:solidFill>
@@ -11170,7 +11171,7 @@
               </a:ln>
               <a:extLst>
                 <a:ext uri="{91240B29-F687-4f45-9708-019B960494DF}">
-                  <a14:hiddenLine xmlns="" xmlns:a14="http://schemas.microsoft.com/office/drawing/2010/main" w="9525">
+                  <a14:hiddenLine xmlns:a14="http://schemas.microsoft.com/office/drawing/2010/main" xmlns="" w="9525">
                     <a:solidFill>
                       <a:srgbClr val="000000"/>
                     </a:solidFill>
@@ -11285,7 +11286,7 @@
               </a:ln>
               <a:extLst>
                 <a:ext uri="{91240B29-F687-4f45-9708-019B960494DF}">
-                  <a14:hiddenLine xmlns="" xmlns:a14="http://schemas.microsoft.com/office/drawing/2010/main" w="9525">
+                  <a14:hiddenLine xmlns:a14="http://schemas.microsoft.com/office/drawing/2010/main" xmlns="" w="9525">
                     <a:solidFill>
                       <a:srgbClr val="000000"/>
                     </a:solidFill>
@@ -11375,7 +11376,7 @@
               </a:ln>
               <a:extLst>
                 <a:ext uri="{91240B29-F687-4f45-9708-019B960494DF}">
-                  <a14:hiddenLine xmlns="" xmlns:a14="http://schemas.microsoft.com/office/drawing/2010/main" w="9525">
+                  <a14:hiddenLine xmlns:a14="http://schemas.microsoft.com/office/drawing/2010/main" xmlns="" w="9525">
                     <a:solidFill>
                       <a:srgbClr val="000000"/>
                     </a:solidFill>
@@ -11440,7 +11441,7 @@
               </a:ln>
               <a:extLst>
                 <a:ext uri="{91240B29-F687-4f45-9708-019B960494DF}">
-                  <a14:hiddenLine xmlns="" xmlns:a14="http://schemas.microsoft.com/office/drawing/2010/main" w="9525">
+                  <a14:hiddenLine xmlns:a14="http://schemas.microsoft.com/office/drawing/2010/main" xmlns="" w="9525">
                     <a:solidFill>
                       <a:srgbClr val="000000"/>
                     </a:solidFill>
@@ -11530,7 +11531,7 @@
               </a:ln>
               <a:extLst>
                 <a:ext uri="{91240B29-F687-4f45-9708-019B960494DF}">
-                  <a14:hiddenLine xmlns="" xmlns:a14="http://schemas.microsoft.com/office/drawing/2010/main" w="9525">
+                  <a14:hiddenLine xmlns:a14="http://schemas.microsoft.com/office/drawing/2010/main" xmlns="" w="9525">
                     <a:solidFill>
                       <a:srgbClr val="000000"/>
                     </a:solidFill>
@@ -11598,7 +11599,7 @@
               </a:ln>
               <a:extLst>
                 <a:ext uri="{91240B29-F687-4f45-9708-019B960494DF}">
-                  <a14:hiddenLine xmlns="" xmlns:a14="http://schemas.microsoft.com/office/drawing/2010/main" w="9525">
+                  <a14:hiddenLine xmlns:a14="http://schemas.microsoft.com/office/drawing/2010/main" xmlns="" w="9525">
                     <a:solidFill>
                       <a:srgbClr val="000000"/>
                     </a:solidFill>
@@ -11688,7 +11689,7 @@
               </a:ln>
               <a:extLst>
                 <a:ext uri="{91240B29-F687-4f45-9708-019B960494DF}">
-                  <a14:hiddenLine xmlns="" xmlns:a14="http://schemas.microsoft.com/office/drawing/2010/main" w="9525">
+                  <a14:hiddenLine xmlns:a14="http://schemas.microsoft.com/office/drawing/2010/main" xmlns="" w="9525">
                     <a:solidFill>
                       <a:srgbClr val="000000"/>
                     </a:solidFill>
@@ -11756,7 +11757,7 @@
               </a:ln>
               <a:extLst>
                 <a:ext uri="{91240B29-F687-4f45-9708-019B960494DF}">
-                  <a14:hiddenLine xmlns="" xmlns:a14="http://schemas.microsoft.com/office/drawing/2010/main" w="9525">
+                  <a14:hiddenLine xmlns:a14="http://schemas.microsoft.com/office/drawing/2010/main" xmlns="" w="9525">
                     <a:solidFill>
                       <a:srgbClr val="000000"/>
                     </a:solidFill>
@@ -11846,7 +11847,7 @@
               </a:ln>
               <a:extLst>
                 <a:ext uri="{91240B29-F687-4f45-9708-019B960494DF}">
-                  <a14:hiddenLine xmlns="" xmlns:a14="http://schemas.microsoft.com/office/drawing/2010/main" w="9525">
+                  <a14:hiddenLine xmlns:a14="http://schemas.microsoft.com/office/drawing/2010/main" xmlns="" w="9525">
                     <a:solidFill>
                       <a:srgbClr val="000000"/>
                     </a:solidFill>
@@ -11880,7 +11881,7 @@
               </a:ln>
               <a:extLst>
                 <a:ext uri="{91240B29-F687-4f45-9708-019B960494DF}">
-                  <a14:hiddenLine xmlns="" xmlns:a14="http://schemas.microsoft.com/office/drawing/2010/main" w="9525">
+                  <a14:hiddenLine xmlns:a14="http://schemas.microsoft.com/office/drawing/2010/main" xmlns="" w="9525">
                     <a:solidFill>
                       <a:srgbClr val="000000"/>
                     </a:solidFill>
@@ -12671,7 +12672,19 @@
             </a:r>
             <a:r>
               <a:rPr lang="fr-FR" dirty="0" smtClean="0"/>
-              <a:t> avec connexion Wi-Fi, (setup: ESP8266)</a:t>
+              <a:t> </a:t>
+            </a:r>
+            <a:r>
+              <a:rPr lang="fr-FR" dirty="0" err="1" smtClean="0"/>
+              <a:t>Wemos</a:t>
+            </a:r>
+            <a:r>
+              <a:rPr lang="fr-FR" dirty="0" smtClean="0"/>
+              <a:t> </a:t>
+            </a:r>
+            <a:r>
+              <a:rPr lang="fr-FR" dirty="0" smtClean="0"/>
+              <a:t>avec connexion Wi-Fi, (setup: ESP8266)</a:t>
             </a:r>
           </a:p>
           <a:p>
@@ -12810,11 +12823,7 @@
             </a:r>
             <a:r>
               <a:rPr lang="fr-FR" dirty="0" smtClean="0"/>
-              <a:t>améra OV2640: Complexité et compatibilité avec les micro </a:t>
-            </a:r>
-            <a:r>
-              <a:rPr lang="fr-FR" dirty="0" smtClean="0"/>
-              <a:t>contrôleur</a:t>
+              <a:t>améra OV2640: Complexité et compatibilité avec les micro contrôleur</a:t>
             </a:r>
           </a:p>
           <a:p>
@@ -12822,7 +12831,6 @@
               <a:rPr lang="fr-FR" dirty="0" smtClean="0"/>
               <a:t>Gmail a bloqué l’envoie d’email automatique au bout d’un nombre trop important d’envoi d’e-mails</a:t>
             </a:r>
-            <a:endParaRPr lang="fr-FR" dirty="0" smtClean="0"/>
           </a:p>
           <a:p>
             <a:endParaRPr lang="fr-FR" dirty="0" smtClean="0"/>
@@ -12883,6 +12891,1269 @@
           <a:p>
             <a:r>
               <a:rPr lang="fr-FR" dirty="0" smtClean="0"/>
+              <a:t>Conception</a:t>
+            </a:r>
+            <a:endParaRPr lang="fr-FR" dirty="0"/>
+          </a:p>
+        </p:txBody>
+      </p:sp>
+      <p:pic>
+        <p:nvPicPr>
+          <p:cNvPr id="4" name="Image 3"/>
+          <p:cNvPicPr>
+            <a:picLocks noChangeAspect="1"/>
+          </p:cNvPicPr>
+          <p:nvPr/>
+        </p:nvPicPr>
+        <p:blipFill>
+          <a:blip r:embed="rId2" cstate="print">
+            <a:extLst>
+              <a:ext uri="{28A0092B-C50C-407E-A947-70E740481C1C}">
+                <a14:useLocalDpi xmlns:a14="http://schemas.microsoft.com/office/drawing/2010/main" val="0"/>
+              </a:ext>
+            </a:extLst>
+          </a:blip>
+          <a:stretch>
+            <a:fillRect/>
+          </a:stretch>
+        </p:blipFill>
+        <p:spPr>
+          <a:xfrm>
+            <a:off x="1793081" y="3232254"/>
+            <a:ext cx="1415947" cy="1415947"/>
+          </a:xfrm>
+          <a:prstGeom prst="rect">
+            <a:avLst/>
+          </a:prstGeom>
+        </p:spPr>
+      </p:pic>
+      <p:pic>
+        <p:nvPicPr>
+          <p:cNvPr id="5" name="Image 4"/>
+          <p:cNvPicPr>
+            <a:picLocks noChangeAspect="1"/>
+          </p:cNvPicPr>
+          <p:nvPr/>
+        </p:nvPicPr>
+        <p:blipFill>
+          <a:blip r:embed="rId2" cstate="print">
+            <a:extLst>
+              <a:ext uri="{28A0092B-C50C-407E-A947-70E740481C1C}">
+                <a14:useLocalDpi xmlns:a14="http://schemas.microsoft.com/office/drawing/2010/main" val="0"/>
+              </a:ext>
+            </a:extLst>
+          </a:blip>
+          <a:stretch>
+            <a:fillRect/>
+          </a:stretch>
+        </p:blipFill>
+        <p:spPr>
+          <a:xfrm>
+            <a:off x="7388749" y="3232253"/>
+            <a:ext cx="1415947" cy="1415947"/>
+          </a:xfrm>
+          <a:prstGeom prst="rect">
+            <a:avLst/>
+          </a:prstGeom>
+        </p:spPr>
+      </p:pic>
+      <p:grpSp>
+        <p:nvGrpSpPr>
+          <p:cNvPr id="35" name="Groupe 34"/>
+          <p:cNvGrpSpPr/>
+          <p:nvPr/>
+        </p:nvGrpSpPr>
+        <p:grpSpPr>
+          <a:xfrm>
+            <a:off x="3338423" y="2173857"/>
+            <a:ext cx="2518606" cy="1570006"/>
+            <a:chOff x="3338423" y="2173857"/>
+            <a:chExt cx="2518606" cy="1570006"/>
+          </a:xfrm>
+        </p:grpSpPr>
+        <p:pic>
+          <p:nvPicPr>
+            <p:cNvPr id="6" name="Image 5"/>
+            <p:cNvPicPr>
+              <a:picLocks noChangeAspect="1"/>
+            </p:cNvPicPr>
+            <p:nvPr/>
+          </p:nvPicPr>
+          <p:blipFill>
+            <a:blip r:embed="rId3" cstate="print">
+              <a:extLst>
+                <a:ext uri="{28A0092B-C50C-407E-A947-70E740481C1C}">
+                  <a14:useLocalDpi xmlns:a14="http://schemas.microsoft.com/office/drawing/2010/main" val="0"/>
+                </a:ext>
+              </a:extLst>
+            </a:blip>
+            <a:stretch>
+              <a:fillRect/>
+            </a:stretch>
+          </p:blipFill>
+          <p:spPr>
+            <a:xfrm>
+              <a:off x="3469938" y="2594581"/>
+              <a:ext cx="637672" cy="637672"/>
+            </a:xfrm>
+            <a:prstGeom prst="rect">
+              <a:avLst/>
+            </a:prstGeom>
+          </p:spPr>
+        </p:pic>
+        <p:pic>
+          <p:nvPicPr>
+            <p:cNvPr id="7" name="Image 6"/>
+            <p:cNvPicPr>
+              <a:picLocks noChangeAspect="1"/>
+            </p:cNvPicPr>
+            <p:nvPr/>
+          </p:nvPicPr>
+          <p:blipFill>
+            <a:blip r:embed="rId4" cstate="print">
+              <a:extLst>
+                <a:ext uri="{28A0092B-C50C-407E-A947-70E740481C1C}">
+                  <a14:useLocalDpi xmlns:a14="http://schemas.microsoft.com/office/drawing/2010/main" val="0"/>
+                </a:ext>
+              </a:extLst>
+            </a:blip>
+            <a:stretch>
+              <a:fillRect/>
+            </a:stretch>
+          </p:blipFill>
+          <p:spPr>
+            <a:xfrm>
+              <a:off x="3788774" y="2259224"/>
+              <a:ext cx="2068255" cy="1484639"/>
+            </a:xfrm>
+            <a:prstGeom prst="rect">
+              <a:avLst/>
+            </a:prstGeom>
+          </p:spPr>
+        </p:pic>
+        <p:cxnSp>
+          <p:nvCxnSpPr>
+            <p:cNvPr id="9" name="Connecteur droit 8"/>
+            <p:cNvCxnSpPr/>
+            <p:nvPr/>
+          </p:nvCxnSpPr>
+          <p:spPr>
+            <a:xfrm flipV="1">
+              <a:off x="4037162" y="2173857"/>
+              <a:ext cx="560717" cy="1380226"/>
+            </a:xfrm>
+            <a:prstGeom prst="line">
+              <a:avLst/>
+            </a:prstGeom>
+            <a:ln w="28575">
+              <a:solidFill>
+                <a:schemeClr val="tx1"/>
+              </a:solidFill>
+            </a:ln>
+          </p:spPr>
+          <p:style>
+            <a:lnRef idx="1">
+              <a:schemeClr val="accent1"/>
+            </a:lnRef>
+            <a:fillRef idx="0">
+              <a:schemeClr val="accent1"/>
+            </a:fillRef>
+            <a:effectRef idx="0">
+              <a:schemeClr val="accent1"/>
+            </a:effectRef>
+            <a:fontRef idx="minor">
+              <a:schemeClr val="tx1"/>
+            </a:fontRef>
+          </p:style>
+        </p:cxnSp>
+        <p:sp>
+          <p:nvSpPr>
+            <p:cNvPr id="10" name="Rectangle 9"/>
+            <p:cNvSpPr/>
+            <p:nvPr/>
+          </p:nvSpPr>
+          <p:spPr>
+            <a:xfrm>
+              <a:off x="3338423" y="2173857"/>
+              <a:ext cx="2018581" cy="1380226"/>
+            </a:xfrm>
+            <a:prstGeom prst="rect">
+              <a:avLst/>
+            </a:prstGeom>
+            <a:noFill/>
+            <a:ln>
+              <a:solidFill>
+                <a:schemeClr val="bg1"/>
+              </a:solidFill>
+            </a:ln>
+          </p:spPr>
+          <p:style>
+            <a:lnRef idx="2">
+              <a:schemeClr val="accent1">
+                <a:shade val="50000"/>
+              </a:schemeClr>
+            </a:lnRef>
+            <a:fillRef idx="1">
+              <a:schemeClr val="accent1"/>
+            </a:fillRef>
+            <a:effectRef idx="0">
+              <a:schemeClr val="accent1"/>
+            </a:effectRef>
+            <a:fontRef idx="minor">
+              <a:schemeClr val="lt1"/>
+            </a:fontRef>
+          </p:style>
+          <p:txBody>
+            <a:bodyPr rtlCol="0" anchor="ctr"/>
+            <a:lstStyle/>
+            <a:p>
+              <a:pPr algn="ctr"/>
+              <a:endParaRPr lang="fr-FR"/>
+            </a:p>
+          </p:txBody>
+        </p:sp>
+      </p:grpSp>
+      <p:pic>
+        <p:nvPicPr>
+          <p:cNvPr id="14" name="Image 13"/>
+          <p:cNvPicPr>
+            <a:picLocks noChangeAspect="1"/>
+          </p:cNvPicPr>
+          <p:nvPr/>
+        </p:nvPicPr>
+        <p:blipFill>
+          <a:blip r:embed="rId5" cstate="print">
+            <a:extLst>
+              <a:ext uri="{28A0092B-C50C-407E-A947-70E740481C1C}">
+                <a14:useLocalDpi xmlns:a14="http://schemas.microsoft.com/office/drawing/2010/main" val="0"/>
+              </a:ext>
+            </a:extLst>
+          </a:blip>
+          <a:stretch>
+            <a:fillRect/>
+          </a:stretch>
+        </p:blipFill>
+        <p:spPr>
+          <a:xfrm>
+            <a:off x="7575148" y="2512696"/>
+            <a:ext cx="1121841" cy="719556"/>
+          </a:xfrm>
+          <a:prstGeom prst="rect">
+            <a:avLst/>
+          </a:prstGeom>
+        </p:spPr>
+      </p:pic>
+      <p:pic>
+        <p:nvPicPr>
+          <p:cNvPr id="15" name="Image 14"/>
+          <p:cNvPicPr>
+            <a:picLocks noChangeAspect="1"/>
+          </p:cNvPicPr>
+          <p:nvPr/>
+        </p:nvPicPr>
+        <p:blipFill>
+          <a:blip r:embed="rId6" cstate="print">
+            <a:extLst>
+              <a:ext uri="{28A0092B-C50C-407E-A947-70E740481C1C}">
+                <a14:useLocalDpi xmlns:a14="http://schemas.microsoft.com/office/drawing/2010/main" val="0"/>
+              </a:ext>
+            </a:extLst>
+          </a:blip>
+          <a:stretch>
+            <a:fillRect/>
+          </a:stretch>
+        </p:blipFill>
+        <p:spPr>
+          <a:xfrm>
+            <a:off x="7705354" y="804948"/>
+            <a:ext cx="861427" cy="861427"/>
+          </a:xfrm>
+          <a:prstGeom prst="rect">
+            <a:avLst/>
+          </a:prstGeom>
+        </p:spPr>
+      </p:pic>
+      <p:pic>
+        <p:nvPicPr>
+          <p:cNvPr id="16" name="Image 15"/>
+          <p:cNvPicPr>
+            <a:picLocks noChangeAspect="1"/>
+          </p:cNvPicPr>
+          <p:nvPr/>
+        </p:nvPicPr>
+        <p:blipFill>
+          <a:blip r:embed="rId7" cstate="print">
+            <a:extLst>
+              <a:ext uri="{28A0092B-C50C-407E-A947-70E740481C1C}">
+                <a14:useLocalDpi xmlns:a14="http://schemas.microsoft.com/office/drawing/2010/main" val="0"/>
+              </a:ext>
+            </a:extLst>
+          </a:blip>
+          <a:stretch>
+            <a:fillRect/>
+          </a:stretch>
+        </p:blipFill>
+        <p:spPr>
+          <a:xfrm>
+            <a:off x="9280651" y="3022156"/>
+            <a:ext cx="1466491" cy="1466491"/>
+          </a:xfrm>
+          <a:prstGeom prst="rect">
+            <a:avLst/>
+          </a:prstGeom>
+        </p:spPr>
+      </p:pic>
+      <p:sp>
+        <p:nvSpPr>
+          <p:cNvPr id="17" name="Interdiction 16"/>
+          <p:cNvSpPr/>
+          <p:nvPr/>
+        </p:nvSpPr>
+        <p:spPr>
+          <a:xfrm>
+            <a:off x="9217240" y="2965547"/>
+            <a:ext cx="1639019" cy="1556632"/>
+          </a:xfrm>
+          <a:prstGeom prst="noSmoking">
+            <a:avLst/>
+          </a:prstGeom>
+          <a:solidFill>
+            <a:srgbClr val="FF0000">
+              <a:alpha val="70980"/>
+            </a:srgbClr>
+          </a:solidFill>
+          <a:ln>
+            <a:solidFill>
+              <a:srgbClr val="FF0000"/>
+            </a:solidFill>
+          </a:ln>
+        </p:spPr>
+        <p:style>
+          <a:lnRef idx="2">
+            <a:schemeClr val="accent1">
+              <a:shade val="50000"/>
+            </a:schemeClr>
+          </a:lnRef>
+          <a:fillRef idx="1">
+            <a:schemeClr val="accent1"/>
+          </a:fillRef>
+          <a:effectRef idx="0">
+            <a:schemeClr val="accent1"/>
+          </a:effectRef>
+          <a:fontRef idx="minor">
+            <a:schemeClr val="lt1"/>
+          </a:fontRef>
+        </p:style>
+        <p:txBody>
+          <a:bodyPr rtlCol="0" anchor="ctr"/>
+          <a:lstStyle/>
+          <a:p>
+            <a:pPr algn="ctr"/>
+            <a:endParaRPr lang="fr-FR">
+              <a:solidFill>
+                <a:schemeClr val="tx1"/>
+              </a:solidFill>
+            </a:endParaRPr>
+          </a:p>
+        </p:txBody>
+      </p:sp>
+      <p:cxnSp>
+        <p:nvCxnSpPr>
+          <p:cNvPr id="19" name="Connecteur droit avec flèche 18"/>
+          <p:cNvCxnSpPr/>
+          <p:nvPr/>
+        </p:nvCxnSpPr>
+        <p:spPr>
+          <a:xfrm>
+            <a:off x="8488392" y="3786995"/>
+            <a:ext cx="728848" cy="0"/>
+          </a:xfrm>
+          <a:prstGeom prst="straightConnector1">
+            <a:avLst/>
+          </a:prstGeom>
+          <a:ln>
+            <a:solidFill>
+              <a:schemeClr val="tx1"/>
+            </a:solidFill>
+            <a:headEnd type="triangle"/>
+            <a:tailEnd type="triangle"/>
+          </a:ln>
+        </p:spPr>
+        <p:style>
+          <a:lnRef idx="1">
+            <a:schemeClr val="accent1"/>
+          </a:lnRef>
+          <a:fillRef idx="0">
+            <a:schemeClr val="accent1"/>
+          </a:fillRef>
+          <a:effectRef idx="0">
+            <a:schemeClr val="accent1"/>
+          </a:effectRef>
+          <a:fontRef idx="minor">
+            <a:schemeClr val="tx1"/>
+          </a:fontRef>
+        </p:style>
+      </p:cxnSp>
+      <p:cxnSp>
+        <p:nvCxnSpPr>
+          <p:cNvPr id="20" name="Connecteur droit avec flèche 19"/>
+          <p:cNvCxnSpPr/>
+          <p:nvPr/>
+        </p:nvCxnSpPr>
+        <p:spPr>
+          <a:xfrm flipV="1">
+            <a:off x="2697618" y="3232252"/>
+            <a:ext cx="640805" cy="327581"/>
+          </a:xfrm>
+          <a:prstGeom prst="straightConnector1">
+            <a:avLst/>
+          </a:prstGeom>
+          <a:ln>
+            <a:solidFill>
+              <a:schemeClr val="tx1"/>
+            </a:solidFill>
+            <a:headEnd type="triangle"/>
+            <a:tailEnd type="triangle"/>
+          </a:ln>
+        </p:spPr>
+        <p:style>
+          <a:lnRef idx="1">
+            <a:schemeClr val="accent1"/>
+          </a:lnRef>
+          <a:fillRef idx="0">
+            <a:schemeClr val="accent1"/>
+          </a:fillRef>
+          <a:effectRef idx="0">
+            <a:schemeClr val="accent1"/>
+          </a:effectRef>
+          <a:fontRef idx="minor">
+            <a:schemeClr val="tx1"/>
+          </a:fontRef>
+        </p:style>
+      </p:cxnSp>
+      <p:cxnSp>
+        <p:nvCxnSpPr>
+          <p:cNvPr id="25" name="Connecteur droit avec flèche 24"/>
+          <p:cNvCxnSpPr/>
+          <p:nvPr/>
+        </p:nvCxnSpPr>
+        <p:spPr>
+          <a:xfrm>
+            <a:off x="3036498" y="4164587"/>
+            <a:ext cx="4352251" cy="0"/>
+          </a:xfrm>
+          <a:prstGeom prst="straightConnector1">
+            <a:avLst/>
+          </a:prstGeom>
+          <a:ln w="28575">
+            <a:solidFill>
+              <a:schemeClr val="tx2">
+                <a:lumMod val="20000"/>
+                <a:lumOff val="80000"/>
+              </a:schemeClr>
+            </a:solidFill>
+            <a:prstDash val="sysDash"/>
+            <a:tailEnd type="triangle"/>
+          </a:ln>
+        </p:spPr>
+        <p:style>
+          <a:lnRef idx="1">
+            <a:schemeClr val="accent1"/>
+          </a:lnRef>
+          <a:fillRef idx="0">
+            <a:schemeClr val="accent1"/>
+          </a:fillRef>
+          <a:effectRef idx="0">
+            <a:schemeClr val="accent1"/>
+          </a:effectRef>
+          <a:fontRef idx="minor">
+            <a:schemeClr val="tx1"/>
+          </a:fontRef>
+        </p:style>
+      </p:cxnSp>
+      <p:cxnSp>
+        <p:nvCxnSpPr>
+          <p:cNvPr id="28" name="Connecteur droit avec flèche 27"/>
+          <p:cNvCxnSpPr/>
+          <p:nvPr/>
+        </p:nvCxnSpPr>
+        <p:spPr>
+          <a:xfrm flipH="1" flipV="1">
+            <a:off x="8052074" y="1599667"/>
+            <a:ext cx="4998" cy="807103"/>
+          </a:xfrm>
+          <a:prstGeom prst="straightConnector1">
+            <a:avLst/>
+          </a:prstGeom>
+          <a:ln w="28575">
+            <a:solidFill>
+              <a:schemeClr val="tx2">
+                <a:lumMod val="20000"/>
+                <a:lumOff val="80000"/>
+              </a:schemeClr>
+            </a:solidFill>
+            <a:prstDash val="sysDash"/>
+            <a:tailEnd type="triangle"/>
+          </a:ln>
+        </p:spPr>
+        <p:style>
+          <a:lnRef idx="1">
+            <a:schemeClr val="accent1"/>
+          </a:lnRef>
+          <a:fillRef idx="0">
+            <a:schemeClr val="accent1"/>
+          </a:fillRef>
+          <a:effectRef idx="0">
+            <a:schemeClr val="accent1"/>
+          </a:effectRef>
+          <a:fontRef idx="minor">
+            <a:schemeClr val="tx1"/>
+          </a:fontRef>
+        </p:style>
+      </p:cxnSp>
+      <p:pic>
+        <p:nvPicPr>
+          <p:cNvPr id="31" name="Image 30"/>
+          <p:cNvPicPr>
+            <a:picLocks noChangeAspect="1"/>
+          </p:cNvPicPr>
+          <p:nvPr/>
+        </p:nvPicPr>
+        <p:blipFill>
+          <a:blip r:embed="rId5" cstate="print">
+            <a:extLst>
+              <a:ext uri="{28A0092B-C50C-407E-A947-70E740481C1C}">
+                <a14:useLocalDpi xmlns:a14="http://schemas.microsoft.com/office/drawing/2010/main" val="0"/>
+              </a:ext>
+            </a:extLst>
+          </a:blip>
+          <a:stretch>
+            <a:fillRect/>
+          </a:stretch>
+        </p:blipFill>
+        <p:spPr>
+          <a:xfrm>
+            <a:off x="1955339" y="4471774"/>
+            <a:ext cx="1121841" cy="719556"/>
+          </a:xfrm>
+          <a:prstGeom prst="rect">
+            <a:avLst/>
+          </a:prstGeom>
+        </p:spPr>
+      </p:pic>
+      <p:pic>
+        <p:nvPicPr>
+          <p:cNvPr id="32" name="Image 31"/>
+          <p:cNvPicPr>
+            <a:picLocks noChangeAspect="1"/>
+          </p:cNvPicPr>
+          <p:nvPr/>
+        </p:nvPicPr>
+        <p:blipFill>
+          <a:blip r:embed="rId8">
+            <a:extLst>
+              <a:ext uri="{28A0092B-C50C-407E-A947-70E740481C1C}">
+                <a14:useLocalDpi xmlns:a14="http://schemas.microsoft.com/office/drawing/2010/main" val="0"/>
+              </a:ext>
+            </a:extLst>
+          </a:blip>
+          <a:stretch>
+            <a:fillRect/>
+          </a:stretch>
+        </p:blipFill>
+        <p:spPr>
+          <a:xfrm>
+            <a:off x="2621659" y="5299752"/>
+            <a:ext cx="848279" cy="848279"/>
+          </a:xfrm>
+          <a:prstGeom prst="rect">
+            <a:avLst/>
+          </a:prstGeom>
+        </p:spPr>
+      </p:pic>
+      <p:pic>
+        <p:nvPicPr>
+          <p:cNvPr id="34" name="Image 33"/>
+          <p:cNvPicPr>
+            <a:picLocks noChangeAspect="1"/>
+          </p:cNvPicPr>
+          <p:nvPr/>
+        </p:nvPicPr>
+        <p:blipFill>
+          <a:blip r:embed="rId9" cstate="print">
+            <a:extLst>
+              <a:ext uri="{28A0092B-C50C-407E-A947-70E740481C1C}">
+                <a14:useLocalDpi xmlns:a14="http://schemas.microsoft.com/office/drawing/2010/main" val="0"/>
+              </a:ext>
+            </a:extLst>
+          </a:blip>
+          <a:stretch>
+            <a:fillRect/>
+          </a:stretch>
+        </p:blipFill>
+        <p:spPr>
+          <a:xfrm>
+            <a:off x="2143285" y="5393217"/>
+            <a:ext cx="478374" cy="661347"/>
+          </a:xfrm>
+          <a:prstGeom prst="rect">
+            <a:avLst/>
+          </a:prstGeom>
+        </p:spPr>
+      </p:pic>
+    </p:spTree>
+    <p:extLst>
+      <p:ext uri="{BB962C8B-B14F-4D97-AF65-F5344CB8AC3E}">
+        <p14:creationId xmlns:p14="http://schemas.microsoft.com/office/powerpoint/2010/main" val="3109718228"/>
+      </p:ext>
+    </p:extLst>
+  </p:cSld>
+  <p:clrMapOvr>
+    <a:masterClrMapping/>
+  </p:clrMapOvr>
+  <p:timing>
+    <p:tnLst>
+      <p:par>
+        <p:cTn id="1" dur="indefinite" restart="never" nodeType="tmRoot">
+          <p:childTnLst>
+            <p:seq concurrent="1" nextAc="seek">
+              <p:cTn id="2" dur="indefinite" nodeType="mainSeq">
+                <p:childTnLst>
+                  <p:par>
+                    <p:cTn id="3" fill="hold">
+                      <p:stCondLst>
+                        <p:cond delay="indefinite"/>
+                      </p:stCondLst>
+                      <p:childTnLst>
+                        <p:par>
+                          <p:cTn id="4" fill="hold">
+                            <p:stCondLst>
+                              <p:cond delay="0"/>
+                            </p:stCondLst>
+                            <p:childTnLst>
+                              <p:par>
+                                <p:cTn id="5" presetID="10" presetClass="entr" presetSubtype="0" fill="hold" nodeType="clickEffect">
+                                  <p:stCondLst>
+                                    <p:cond delay="0"/>
+                                  </p:stCondLst>
+                                  <p:childTnLst>
+                                    <p:set>
+                                      <p:cBhvr>
+                                        <p:cTn id="6" dur="1" fill="hold">
+                                          <p:stCondLst>
+                                            <p:cond delay="0"/>
+                                          </p:stCondLst>
+                                        </p:cTn>
+                                        <p:tgtEl>
+                                          <p:spTgt spid="20"/>
+                                        </p:tgtEl>
+                                        <p:attrNameLst>
+                                          <p:attrName>style.visibility</p:attrName>
+                                        </p:attrNameLst>
+                                      </p:cBhvr>
+                                      <p:to>
+                                        <p:strVal val="visible"/>
+                                      </p:to>
+                                    </p:set>
+                                    <p:animEffect transition="in" filter="fade">
+                                      <p:cBhvr>
+                                        <p:cTn id="7" dur="500"/>
+                                        <p:tgtEl>
+                                          <p:spTgt spid="20"/>
+                                        </p:tgtEl>
+                                      </p:cBhvr>
+                                    </p:animEffect>
+                                  </p:childTnLst>
+                                </p:cTn>
+                              </p:par>
+                            </p:childTnLst>
+                          </p:cTn>
+                        </p:par>
+                        <p:par>
+                          <p:cTn id="8" fill="hold">
+                            <p:stCondLst>
+                              <p:cond delay="500"/>
+                            </p:stCondLst>
+                            <p:childTnLst>
+                              <p:par>
+                                <p:cTn id="9" presetID="10" presetClass="entr" presetSubtype="0" fill="hold" nodeType="afterEffect">
+                                  <p:stCondLst>
+                                    <p:cond delay="0"/>
+                                  </p:stCondLst>
+                                  <p:childTnLst>
+                                    <p:set>
+                                      <p:cBhvr>
+                                        <p:cTn id="10" dur="1" fill="hold">
+                                          <p:stCondLst>
+                                            <p:cond delay="0"/>
+                                          </p:stCondLst>
+                                        </p:cTn>
+                                        <p:tgtEl>
+                                          <p:spTgt spid="35"/>
+                                        </p:tgtEl>
+                                        <p:attrNameLst>
+                                          <p:attrName>style.visibility</p:attrName>
+                                        </p:attrNameLst>
+                                      </p:cBhvr>
+                                      <p:to>
+                                        <p:strVal val="visible"/>
+                                      </p:to>
+                                    </p:set>
+                                    <p:animEffect transition="in" filter="fade">
+                                      <p:cBhvr>
+                                        <p:cTn id="11" dur="500"/>
+                                        <p:tgtEl>
+                                          <p:spTgt spid="35"/>
+                                        </p:tgtEl>
+                                      </p:cBhvr>
+                                    </p:animEffect>
+                                  </p:childTnLst>
+                                </p:cTn>
+                              </p:par>
+                            </p:childTnLst>
+                          </p:cTn>
+                        </p:par>
+                      </p:childTnLst>
+                    </p:cTn>
+                  </p:par>
+                  <p:par>
+                    <p:cTn id="12" fill="hold">
+                      <p:stCondLst>
+                        <p:cond delay="indefinite"/>
+                      </p:stCondLst>
+                      <p:childTnLst>
+                        <p:par>
+                          <p:cTn id="13" fill="hold">
+                            <p:stCondLst>
+                              <p:cond delay="0"/>
+                            </p:stCondLst>
+                            <p:childTnLst>
+                              <p:par>
+                                <p:cTn id="14" presetID="10" presetClass="entr" presetSubtype="0" fill="hold" nodeType="clickEffect">
+                                  <p:stCondLst>
+                                    <p:cond delay="0"/>
+                                  </p:stCondLst>
+                                  <p:childTnLst>
+                                    <p:set>
+                                      <p:cBhvr>
+                                        <p:cTn id="15" dur="1" fill="hold">
+                                          <p:stCondLst>
+                                            <p:cond delay="0"/>
+                                          </p:stCondLst>
+                                        </p:cTn>
+                                        <p:tgtEl>
+                                          <p:spTgt spid="25"/>
+                                        </p:tgtEl>
+                                        <p:attrNameLst>
+                                          <p:attrName>style.visibility</p:attrName>
+                                        </p:attrNameLst>
+                                      </p:cBhvr>
+                                      <p:to>
+                                        <p:strVal val="visible"/>
+                                      </p:to>
+                                    </p:set>
+                                    <p:animEffect transition="in" filter="fade">
+                                      <p:cBhvr>
+                                        <p:cTn id="16" dur="500"/>
+                                        <p:tgtEl>
+                                          <p:spTgt spid="25"/>
+                                        </p:tgtEl>
+                                      </p:cBhvr>
+                                    </p:animEffect>
+                                  </p:childTnLst>
+                                </p:cTn>
+                              </p:par>
+                            </p:childTnLst>
+                          </p:cTn>
+                        </p:par>
+                      </p:childTnLst>
+                    </p:cTn>
+                  </p:par>
+                  <p:par>
+                    <p:cTn id="17" fill="hold">
+                      <p:stCondLst>
+                        <p:cond delay="indefinite"/>
+                      </p:stCondLst>
+                      <p:childTnLst>
+                        <p:par>
+                          <p:cTn id="18" fill="hold">
+                            <p:stCondLst>
+                              <p:cond delay="0"/>
+                            </p:stCondLst>
+                            <p:childTnLst>
+                              <p:par>
+                                <p:cTn id="19" presetID="10" presetClass="entr" presetSubtype="0" fill="hold" nodeType="clickEffect">
+                                  <p:stCondLst>
+                                    <p:cond delay="0"/>
+                                  </p:stCondLst>
+                                  <p:childTnLst>
+                                    <p:set>
+                                      <p:cBhvr>
+                                        <p:cTn id="20" dur="1" fill="hold">
+                                          <p:stCondLst>
+                                            <p:cond delay="0"/>
+                                          </p:stCondLst>
+                                        </p:cTn>
+                                        <p:tgtEl>
+                                          <p:spTgt spid="19"/>
+                                        </p:tgtEl>
+                                        <p:attrNameLst>
+                                          <p:attrName>style.visibility</p:attrName>
+                                        </p:attrNameLst>
+                                      </p:cBhvr>
+                                      <p:to>
+                                        <p:strVal val="visible"/>
+                                      </p:to>
+                                    </p:set>
+                                    <p:animEffect transition="in" filter="fade">
+                                      <p:cBhvr>
+                                        <p:cTn id="21" dur="500"/>
+                                        <p:tgtEl>
+                                          <p:spTgt spid="19"/>
+                                        </p:tgtEl>
+                                      </p:cBhvr>
+                                    </p:animEffect>
+                                  </p:childTnLst>
+                                </p:cTn>
+                              </p:par>
+                            </p:childTnLst>
+                          </p:cTn>
+                        </p:par>
+                        <p:par>
+                          <p:cTn id="22" fill="hold">
+                            <p:stCondLst>
+                              <p:cond delay="500"/>
+                            </p:stCondLst>
+                            <p:childTnLst>
+                              <p:par>
+                                <p:cTn id="23" presetID="10" presetClass="entr" presetSubtype="0" fill="hold" nodeType="afterEffect">
+                                  <p:stCondLst>
+                                    <p:cond delay="0"/>
+                                  </p:stCondLst>
+                                  <p:childTnLst>
+                                    <p:set>
+                                      <p:cBhvr>
+                                        <p:cTn id="24" dur="1" fill="hold">
+                                          <p:stCondLst>
+                                            <p:cond delay="0"/>
+                                          </p:stCondLst>
+                                        </p:cTn>
+                                        <p:tgtEl>
+                                          <p:spTgt spid="16"/>
+                                        </p:tgtEl>
+                                        <p:attrNameLst>
+                                          <p:attrName>style.visibility</p:attrName>
+                                        </p:attrNameLst>
+                                      </p:cBhvr>
+                                      <p:to>
+                                        <p:strVal val="visible"/>
+                                      </p:to>
+                                    </p:set>
+                                    <p:animEffect transition="in" filter="fade">
+                                      <p:cBhvr>
+                                        <p:cTn id="25" dur="500"/>
+                                        <p:tgtEl>
+                                          <p:spTgt spid="16"/>
+                                        </p:tgtEl>
+                                      </p:cBhvr>
+                                    </p:animEffect>
+                                  </p:childTnLst>
+                                </p:cTn>
+                              </p:par>
+                            </p:childTnLst>
+                          </p:cTn>
+                        </p:par>
+                      </p:childTnLst>
+                    </p:cTn>
+                  </p:par>
+                  <p:par>
+                    <p:cTn id="26" fill="hold">
+                      <p:stCondLst>
+                        <p:cond delay="indefinite"/>
+                      </p:stCondLst>
+                      <p:childTnLst>
+                        <p:par>
+                          <p:cTn id="27" fill="hold">
+                            <p:stCondLst>
+                              <p:cond delay="0"/>
+                            </p:stCondLst>
+                            <p:childTnLst>
+                              <p:par>
+                                <p:cTn id="28" presetID="10" presetClass="entr" presetSubtype="0" fill="hold" grpId="0" nodeType="clickEffect">
+                                  <p:stCondLst>
+                                    <p:cond delay="0"/>
+                                  </p:stCondLst>
+                                  <p:childTnLst>
+                                    <p:set>
+                                      <p:cBhvr>
+                                        <p:cTn id="29" dur="1" fill="hold">
+                                          <p:stCondLst>
+                                            <p:cond delay="0"/>
+                                          </p:stCondLst>
+                                        </p:cTn>
+                                        <p:tgtEl>
+                                          <p:spTgt spid="17"/>
+                                        </p:tgtEl>
+                                        <p:attrNameLst>
+                                          <p:attrName>style.visibility</p:attrName>
+                                        </p:attrNameLst>
+                                      </p:cBhvr>
+                                      <p:to>
+                                        <p:strVal val="visible"/>
+                                      </p:to>
+                                    </p:set>
+                                    <p:animEffect transition="in" filter="fade">
+                                      <p:cBhvr>
+                                        <p:cTn id="30" dur="500"/>
+                                        <p:tgtEl>
+                                          <p:spTgt spid="17"/>
+                                        </p:tgtEl>
+                                      </p:cBhvr>
+                                    </p:animEffect>
+                                  </p:childTnLst>
+                                </p:cTn>
+                              </p:par>
+                            </p:childTnLst>
+                          </p:cTn>
+                        </p:par>
+                      </p:childTnLst>
+                    </p:cTn>
+                  </p:par>
+                  <p:par>
+                    <p:cTn id="31" fill="hold">
+                      <p:stCondLst>
+                        <p:cond delay="indefinite"/>
+                      </p:stCondLst>
+                      <p:childTnLst>
+                        <p:par>
+                          <p:cTn id="32" fill="hold">
+                            <p:stCondLst>
+                              <p:cond delay="0"/>
+                            </p:stCondLst>
+                            <p:childTnLst>
+                              <p:par>
+                                <p:cTn id="33" presetID="10" presetClass="entr" presetSubtype="0" fill="hold" nodeType="clickEffect">
+                                  <p:stCondLst>
+                                    <p:cond delay="0"/>
+                                  </p:stCondLst>
+                                  <p:childTnLst>
+                                    <p:set>
+                                      <p:cBhvr>
+                                        <p:cTn id="34" dur="1" fill="hold">
+                                          <p:stCondLst>
+                                            <p:cond delay="0"/>
+                                          </p:stCondLst>
+                                        </p:cTn>
+                                        <p:tgtEl>
+                                          <p:spTgt spid="14"/>
+                                        </p:tgtEl>
+                                        <p:attrNameLst>
+                                          <p:attrName>style.visibility</p:attrName>
+                                        </p:attrNameLst>
+                                      </p:cBhvr>
+                                      <p:to>
+                                        <p:strVal val="visible"/>
+                                      </p:to>
+                                    </p:set>
+                                    <p:animEffect transition="in" filter="fade">
+                                      <p:cBhvr>
+                                        <p:cTn id="35" dur="500"/>
+                                        <p:tgtEl>
+                                          <p:spTgt spid="14"/>
+                                        </p:tgtEl>
+                                      </p:cBhvr>
+                                    </p:animEffect>
+                                  </p:childTnLst>
+                                </p:cTn>
+                              </p:par>
+                            </p:childTnLst>
+                          </p:cTn>
+                        </p:par>
+                        <p:par>
+                          <p:cTn id="36" fill="hold">
+                            <p:stCondLst>
+                              <p:cond delay="500"/>
+                            </p:stCondLst>
+                            <p:childTnLst>
+                              <p:par>
+                                <p:cTn id="37" presetID="10" presetClass="entr" presetSubtype="0" fill="hold" nodeType="afterEffect">
+                                  <p:stCondLst>
+                                    <p:cond delay="0"/>
+                                  </p:stCondLst>
+                                  <p:childTnLst>
+                                    <p:set>
+                                      <p:cBhvr>
+                                        <p:cTn id="38" dur="1" fill="hold">
+                                          <p:stCondLst>
+                                            <p:cond delay="0"/>
+                                          </p:stCondLst>
+                                        </p:cTn>
+                                        <p:tgtEl>
+                                          <p:spTgt spid="28"/>
+                                        </p:tgtEl>
+                                        <p:attrNameLst>
+                                          <p:attrName>style.visibility</p:attrName>
+                                        </p:attrNameLst>
+                                      </p:cBhvr>
+                                      <p:to>
+                                        <p:strVal val="visible"/>
+                                      </p:to>
+                                    </p:set>
+                                    <p:animEffect transition="in" filter="fade">
+                                      <p:cBhvr>
+                                        <p:cTn id="39" dur="500"/>
+                                        <p:tgtEl>
+                                          <p:spTgt spid="28"/>
+                                        </p:tgtEl>
+                                      </p:cBhvr>
+                                    </p:animEffect>
+                                  </p:childTnLst>
+                                </p:cTn>
+                              </p:par>
+                            </p:childTnLst>
+                          </p:cTn>
+                        </p:par>
+                        <p:par>
+                          <p:cTn id="40" fill="hold">
+                            <p:stCondLst>
+                              <p:cond delay="1000"/>
+                            </p:stCondLst>
+                            <p:childTnLst>
+                              <p:par>
+                                <p:cTn id="41" presetID="10" presetClass="entr" presetSubtype="0" fill="hold" nodeType="afterEffect">
+                                  <p:stCondLst>
+                                    <p:cond delay="0"/>
+                                  </p:stCondLst>
+                                  <p:childTnLst>
+                                    <p:set>
+                                      <p:cBhvr>
+                                        <p:cTn id="42" dur="1" fill="hold">
+                                          <p:stCondLst>
+                                            <p:cond delay="0"/>
+                                          </p:stCondLst>
+                                        </p:cTn>
+                                        <p:tgtEl>
+                                          <p:spTgt spid="15"/>
+                                        </p:tgtEl>
+                                        <p:attrNameLst>
+                                          <p:attrName>style.visibility</p:attrName>
+                                        </p:attrNameLst>
+                                      </p:cBhvr>
+                                      <p:to>
+                                        <p:strVal val="visible"/>
+                                      </p:to>
+                                    </p:set>
+                                    <p:animEffect transition="in" filter="fade">
+                                      <p:cBhvr>
+                                        <p:cTn id="43" dur="500"/>
+                                        <p:tgtEl>
+                                          <p:spTgt spid="15"/>
+                                        </p:tgtEl>
+                                      </p:cBhvr>
+                                    </p:animEffect>
+                                  </p:childTnLst>
+                                </p:cTn>
+                              </p:par>
+                            </p:childTnLst>
+                          </p:cTn>
+                        </p:par>
+                      </p:childTnLst>
+                    </p:cTn>
+                  </p:par>
+                  <p:par>
+                    <p:cTn id="44" fill="hold">
+                      <p:stCondLst>
+                        <p:cond delay="indefinite"/>
+                      </p:stCondLst>
+                      <p:childTnLst>
+                        <p:par>
+                          <p:cTn id="45" fill="hold">
+                            <p:stCondLst>
+                              <p:cond delay="0"/>
+                            </p:stCondLst>
+                            <p:childTnLst>
+                              <p:par>
+                                <p:cTn id="46" presetID="10" presetClass="entr" presetSubtype="0" fill="hold" nodeType="clickEffect">
+                                  <p:stCondLst>
+                                    <p:cond delay="0"/>
+                                  </p:stCondLst>
+                                  <p:childTnLst>
+                                    <p:set>
+                                      <p:cBhvr>
+                                        <p:cTn id="47" dur="1" fill="hold">
+                                          <p:stCondLst>
+                                            <p:cond delay="0"/>
+                                          </p:stCondLst>
+                                        </p:cTn>
+                                        <p:tgtEl>
+                                          <p:spTgt spid="31"/>
+                                        </p:tgtEl>
+                                        <p:attrNameLst>
+                                          <p:attrName>style.visibility</p:attrName>
+                                        </p:attrNameLst>
+                                      </p:cBhvr>
+                                      <p:to>
+                                        <p:strVal val="visible"/>
+                                      </p:to>
+                                    </p:set>
+                                    <p:animEffect transition="in" filter="fade">
+                                      <p:cBhvr>
+                                        <p:cTn id="48" dur="500"/>
+                                        <p:tgtEl>
+                                          <p:spTgt spid="31"/>
+                                        </p:tgtEl>
+                                      </p:cBhvr>
+                                    </p:animEffect>
+                                  </p:childTnLst>
+                                </p:cTn>
+                              </p:par>
+                            </p:childTnLst>
+                          </p:cTn>
+                        </p:par>
+                        <p:par>
+                          <p:cTn id="49" fill="hold">
+                            <p:stCondLst>
+                              <p:cond delay="500"/>
+                            </p:stCondLst>
+                            <p:childTnLst>
+                              <p:par>
+                                <p:cTn id="50" presetID="10" presetClass="entr" presetSubtype="0" fill="hold" nodeType="afterEffect">
+                                  <p:stCondLst>
+                                    <p:cond delay="0"/>
+                                  </p:stCondLst>
+                                  <p:childTnLst>
+                                    <p:set>
+                                      <p:cBhvr>
+                                        <p:cTn id="51" dur="1" fill="hold">
+                                          <p:stCondLst>
+                                            <p:cond delay="0"/>
+                                          </p:stCondLst>
+                                        </p:cTn>
+                                        <p:tgtEl>
+                                          <p:spTgt spid="34"/>
+                                        </p:tgtEl>
+                                        <p:attrNameLst>
+                                          <p:attrName>style.visibility</p:attrName>
+                                        </p:attrNameLst>
+                                      </p:cBhvr>
+                                      <p:to>
+                                        <p:strVal val="visible"/>
+                                      </p:to>
+                                    </p:set>
+                                    <p:animEffect transition="in" filter="fade">
+                                      <p:cBhvr>
+                                        <p:cTn id="52" dur="500"/>
+                                        <p:tgtEl>
+                                          <p:spTgt spid="34"/>
+                                        </p:tgtEl>
+                                      </p:cBhvr>
+                                    </p:animEffect>
+                                  </p:childTnLst>
+                                </p:cTn>
+                              </p:par>
+                              <p:par>
+                                <p:cTn id="53" presetID="10" presetClass="entr" presetSubtype="0" fill="hold" nodeType="withEffect">
+                                  <p:stCondLst>
+                                    <p:cond delay="0"/>
+                                  </p:stCondLst>
+                                  <p:childTnLst>
+                                    <p:set>
+                                      <p:cBhvr>
+                                        <p:cTn id="54" dur="1" fill="hold">
+                                          <p:stCondLst>
+                                            <p:cond delay="0"/>
+                                          </p:stCondLst>
+                                        </p:cTn>
+                                        <p:tgtEl>
+                                          <p:spTgt spid="32"/>
+                                        </p:tgtEl>
+                                        <p:attrNameLst>
+                                          <p:attrName>style.visibility</p:attrName>
+                                        </p:attrNameLst>
+                                      </p:cBhvr>
+                                      <p:to>
+                                        <p:strVal val="visible"/>
+                                      </p:to>
+                                    </p:set>
+                                    <p:animEffect transition="in" filter="fade">
+                                      <p:cBhvr>
+                                        <p:cTn id="55" dur="500"/>
+                                        <p:tgtEl>
+                                          <p:spTgt spid="32"/>
+                                        </p:tgtEl>
+                                      </p:cBhvr>
+                                    </p:animEffect>
+                                  </p:childTnLst>
+                                </p:cTn>
+                              </p:par>
+                            </p:childTnLst>
+                          </p:cTn>
+                        </p:par>
+                      </p:childTnLst>
+                    </p:cTn>
+                  </p:par>
+                </p:childTnLst>
+              </p:cTn>
+              <p:prevCondLst>
+                <p:cond evt="onPrev" delay="0">
+                  <p:tgtEl>
+                    <p:sldTgt/>
+                  </p:tgtEl>
+                </p:cond>
+              </p:prevCondLst>
+              <p:nextCondLst>
+                <p:cond evt="onNext" delay="0">
+                  <p:tgtEl>
+                    <p:sldTgt/>
+                  </p:tgtEl>
+                </p:cond>
+              </p:nextCondLst>
+            </p:seq>
+          </p:childTnLst>
+        </p:cTn>
+      </p:par>
+    </p:tnLst>
+    <p:bldLst>
+      <p:bldP spid="17" grpId="0" animBg="1"/>
+    </p:bldLst>
+  </p:timing>
+</p:sld>
+</file>
+
+<file path=ppt/slides/slide6.xml><?xml version="1.0" encoding="utf-8"?>
+<p:sld xmlns:a="http://schemas.openxmlformats.org/drawingml/2006/main" xmlns:r="http://schemas.openxmlformats.org/officeDocument/2006/relationships" xmlns:p="http://schemas.openxmlformats.org/presentationml/2006/main">
+  <p:cSld>
+    <p:spTree>
+      <p:nvGrpSpPr>
+        <p:cNvPr id="1" name=""/>
+        <p:cNvGrpSpPr/>
+        <p:nvPr/>
+      </p:nvGrpSpPr>
+      <p:grpSpPr>
+        <a:xfrm>
+          <a:off x="0" y="0"/>
+          <a:ext cx="0" cy="0"/>
+          <a:chOff x="0" y="0"/>
+          <a:chExt cx="0" cy="0"/>
+        </a:xfrm>
+      </p:grpSpPr>
+      <p:sp>
+        <p:nvSpPr>
+          <p:cNvPr id="2" name="Titre 1"/>
+          <p:cNvSpPr>
+            <a:spLocks noGrp="1"/>
+          </p:cNvSpPr>
+          <p:nvPr>
+            <p:ph type="title"/>
+          </p:nvPr>
+        </p:nvSpPr>
+        <p:spPr/>
+        <p:txBody>
+          <a:bodyPr/>
+          <a:lstStyle/>
+          <a:p>
+            <a:r>
+              <a:rPr lang="fr-FR" dirty="0" smtClean="0"/>
               <a:t>Résultat</a:t>
             </a:r>
             <a:endParaRPr lang="fr-FR" dirty="0"/>
@@ -12922,13 +14193,8 @@
           <a:p>
             <a:r>
               <a:rPr lang="fr-FR" dirty="0" smtClean="0"/>
-              <a:t>De base, l’autre micro contrôleur était sensé prendre des photos, mais par la complexité et les limites techniques -&gt; remplacé par un envoi </a:t>
+              <a:t>De base, l’autre micro contrôleur était sensé prendre des photos, mais par la complexité et les limites techniques -&gt; remplacé par un envoi d’e-mail. Toutefois, le blocage des e-mails intempestifs rend l’exemple impossible</a:t>
             </a:r>
-            <a:r>
-              <a:rPr lang="fr-FR" dirty="0" smtClean="0"/>
-              <a:t>d’e-mail. Toutefois, le blocage des e-mails intempestifs rend l’exemple impossible</a:t>
-            </a:r>
-            <a:endParaRPr lang="fr-FR" dirty="0" smtClean="0"/>
           </a:p>
         </p:txBody>
       </p:sp>
